--- a/拉伸模板.pptx
+++ b/拉伸模板.pptx
@@ -1016,7 +1016,7 @@
                       </a:endParaRPr>
                     </a:p>
                   </a:txBody>
-                  <a:tcPr marL="7937" marR="7937" marT="7937" anchor="ctr" anchorCtr="0">
+                  <a:tcPr marL="0" marR="0" marT="0" marB="0" anchor="ctr" anchorCtr="0">
                     <a:solidFill>
                       <a:srgbClr val="19898D"/>
                     </a:solidFill>
@@ -1047,7 +1047,7 @@
                       </a:endParaRPr>
                     </a:p>
                   </a:txBody>
-                  <a:tcPr marL="7937" marR="7937" marT="7937" anchor="ctr" anchorCtr="0">
+                  <a:tcPr marL="0" marR="0" marT="0" marB="0" anchor="ctr" anchorCtr="0">
                     <a:solidFill>
                       <a:srgbClr val="19898D"/>
                     </a:solidFill>
@@ -1186,7 +1186,7 @@
                       </a:endParaRPr>
                     </a:p>
                   </a:txBody>
-                  <a:tcPr marL="7937" marR="7937" marT="7937" anchor="ctr" anchorCtr="0">
+                  <a:tcPr marL="0" marR="0" marT="0" marB="0" anchor="ctr" anchorCtr="0">
                     <a:solidFill>
                       <a:srgbClr val="19898D"/>
                     </a:solidFill>
@@ -1315,7 +1315,7 @@
                       </a:endParaRPr>
                     </a:p>
                   </a:txBody>
-                  <a:tcPr marL="7937" marR="7937" marT="7937" anchor="ctr" anchorCtr="0">
+                  <a:tcPr marL="0" marR="0" marT="0" marB="0" anchor="ctr" anchorCtr="0">
                     <a:solidFill>
                       <a:srgbClr val="19898D"/>
                     </a:solidFill>
@@ -1346,7 +1346,7 @@
                       </a:endParaRPr>
                     </a:p>
                   </a:txBody>
-                  <a:tcPr marL="7937" marR="7937" marT="7937" anchor="ctr" anchorCtr="0">
+                  <a:tcPr marL="0" marR="0" marT="0" marB="0" anchor="ctr" anchorCtr="0">
                     <a:solidFill>
                       <a:srgbClr val="19898D"/>
                     </a:solidFill>
@@ -1475,7 +1475,7 @@
                       </a:endParaRPr>
                     </a:p>
                   </a:txBody>
-                  <a:tcPr marL="7937" marR="7937" marT="7937" anchor="ctr" anchorCtr="0">
+                  <a:tcPr marL="0" marR="0" marT="0" marB="0" anchor="ctr" anchorCtr="0">
                     <a:solidFill>
                       <a:srgbClr val="19898D"/>
                     </a:solidFill>
@@ -1604,7 +1604,7 @@
                       </a:endParaRPr>
                     </a:p>
                   </a:txBody>
-                  <a:tcPr marL="7937" marR="7937" marT="7937" anchor="ctr" anchorCtr="0">
+                  <a:tcPr marL="0" marR="0" marT="0" marB="0" anchor="ctr" anchorCtr="0">
                     <a:solidFill>
                       <a:srgbClr val="19898D"/>
                     </a:solidFill>
@@ -1627,133 +1627,133 @@
                       </a:endParaRPr>
                     </a:p>
                   </a:txBody>
-                  <a:tcPr marL="7937" marR="7937" marT="7937" anchor="ctr" anchorCtr="0">
-                    <a:solidFill>
-                      <a:srgbClr val="E6F0F2"/>
-                    </a:solidFill>
-                  </a:tcPr>
-                </a:tc>
-                <a:tc>
-                  <a:txBody>
-                    <a:bodyPr/>
-                    <a:lstStyle/>
-                    <a:p>
-                      <a:pPr marL="7620" indent="0" algn="ctr" fontAlgn="ctr"/>
-                      <a:endParaRPr lang="en-US" altLang="zh-CN" sz="1400" b="0" i="0">
-                        <a:solidFill>
-                          <a:srgbClr val="000000"/>
-                        </a:solidFill>
-                        <a:latin typeface="微软雅黑" panose="020B0503020204020204" charset="-122"/>
-                        <a:ea typeface="微软雅黑" panose="020B0503020204020204" charset="-122"/>
-                      </a:endParaRPr>
-                    </a:p>
-                  </a:txBody>
-                  <a:tcPr marL="7937" marR="7937" marT="7937" anchor="ctr" anchorCtr="0">
-                    <a:solidFill>
-                      <a:srgbClr val="E6F0F2"/>
-                    </a:solidFill>
-                  </a:tcPr>
-                </a:tc>
-                <a:tc>
-                  <a:txBody>
-                    <a:bodyPr/>
-                    <a:lstStyle/>
-                    <a:p>
-                      <a:pPr marL="7620" indent="0" algn="ctr" fontAlgn="t"/>
-                      <a:endParaRPr lang="en-US" altLang="zh-CN" sz="1400" b="0" i="0">
-                        <a:solidFill>
-                          <a:srgbClr val="000000"/>
-                        </a:solidFill>
-                        <a:latin typeface="微软雅黑" panose="020B0503020204020204" charset="-122"/>
-                        <a:ea typeface="微软雅黑" panose="020B0503020204020204" charset="-122"/>
-                      </a:endParaRPr>
-                    </a:p>
-                  </a:txBody>
-                  <a:tcPr marL="7937" marR="7937" marT="7937" anchor="ctr" anchorCtr="0">
-                    <a:solidFill>
-                      <a:srgbClr val="E6F0F2"/>
-                    </a:solidFill>
-                  </a:tcPr>
-                </a:tc>
-                <a:tc>
-                  <a:txBody>
-                    <a:bodyPr/>
-                    <a:lstStyle/>
-                    <a:p>
-                      <a:pPr marL="7620" indent="0" algn="ctr" fontAlgn="t"/>
-                      <a:endParaRPr lang="en-US" altLang="zh-CN" sz="1400" b="0" i="0">
-                        <a:solidFill>
-                          <a:srgbClr val="000000"/>
-                        </a:solidFill>
-                        <a:latin typeface="微软雅黑" panose="020B0503020204020204" charset="-122"/>
-                        <a:ea typeface="微软雅黑" panose="020B0503020204020204" charset="-122"/>
-                      </a:endParaRPr>
-                    </a:p>
-                  </a:txBody>
-                  <a:tcPr marL="7937" marR="7937" marT="7937" anchor="ctr" anchorCtr="0">
-                    <a:solidFill>
-                      <a:srgbClr val="E6F0F2"/>
-                    </a:solidFill>
-                  </a:tcPr>
-                </a:tc>
-                <a:tc>
-                  <a:txBody>
-                    <a:bodyPr/>
-                    <a:lstStyle/>
-                    <a:p>
-                      <a:pPr marL="7620" indent="0" algn="ctr" fontAlgn="t"/>
-                      <a:endParaRPr lang="en-US" altLang="zh-CN" sz="1400" b="0" i="0">
-                        <a:solidFill>
-                          <a:srgbClr val="000000"/>
-                        </a:solidFill>
-                        <a:latin typeface="微软雅黑" panose="020B0503020204020204" charset="-122"/>
-                        <a:ea typeface="微软雅黑" panose="020B0503020204020204" charset="-122"/>
-                      </a:endParaRPr>
-                    </a:p>
-                  </a:txBody>
-                  <a:tcPr marL="7937" marR="7937" marT="7937" anchor="ctr" anchorCtr="0">
-                    <a:solidFill>
-                      <a:srgbClr val="E6F0F2"/>
-                    </a:solidFill>
-                  </a:tcPr>
-                </a:tc>
-                <a:tc>
-                  <a:txBody>
-                    <a:bodyPr/>
-                    <a:lstStyle/>
-                    <a:p>
-                      <a:pPr marL="7620" indent="0" algn="ctr" fontAlgn="t"/>
-                      <a:endParaRPr lang="en-US" altLang="zh-CN" sz="1400" b="0" i="0">
-                        <a:solidFill>
-                          <a:srgbClr val="000000"/>
-                        </a:solidFill>
-                        <a:latin typeface="微软雅黑" panose="020B0503020204020204" charset="-122"/>
-                        <a:ea typeface="微软雅黑" panose="020B0503020204020204" charset="-122"/>
-                      </a:endParaRPr>
-                    </a:p>
-                  </a:txBody>
-                  <a:tcPr marL="7937" marR="7937" marT="7937" anchor="ctr" anchorCtr="0">
-                    <a:solidFill>
-                      <a:srgbClr val="E6F0F2"/>
-                    </a:solidFill>
-                  </a:tcPr>
-                </a:tc>
-                <a:tc>
-                  <a:txBody>
-                    <a:bodyPr/>
-                    <a:lstStyle/>
-                    <a:p>
-                      <a:pPr marL="7620" indent="0" algn="ctr" fontAlgn="t"/>
-                      <a:endParaRPr lang="en-US" altLang="zh-CN" sz="1400" b="0" i="0">
-                        <a:solidFill>
-                          <a:srgbClr val="000000"/>
-                        </a:solidFill>
-                        <a:latin typeface="微软雅黑" panose="020B0503020204020204" charset="-122"/>
-                        <a:ea typeface="微软雅黑" panose="020B0503020204020204" charset="-122"/>
-                      </a:endParaRPr>
-                    </a:p>
-                  </a:txBody>
-                  <a:tcPr marL="7937" marR="7937" marT="7937" anchor="ctr" anchorCtr="0">
+                  <a:tcPr marL="0" marR="0" marT="0" marB="0" anchor="ctr" anchorCtr="0">
+                    <a:solidFill>
+                      <a:srgbClr val="E6F0F2"/>
+                    </a:solidFill>
+                  </a:tcPr>
+                </a:tc>
+                <a:tc>
+                  <a:txBody>
+                    <a:bodyPr/>
+                    <a:lstStyle/>
+                    <a:p>
+                      <a:pPr marL="7620" indent="0" algn="ctr" fontAlgn="ctr"/>
+                      <a:endParaRPr lang="en-US" altLang="zh-CN" sz="1400" b="0" i="0">
+                        <a:solidFill>
+                          <a:srgbClr val="000000"/>
+                        </a:solidFill>
+                        <a:latin typeface="微软雅黑" panose="020B0503020204020204" charset="-122"/>
+                        <a:ea typeface="微软雅黑" panose="020B0503020204020204" charset="-122"/>
+                      </a:endParaRPr>
+                    </a:p>
+                  </a:txBody>
+                  <a:tcPr marL="0" marR="0" marT="0" marB="0" anchor="ctr" anchorCtr="0">
+                    <a:solidFill>
+                      <a:srgbClr val="E6F0F2"/>
+                    </a:solidFill>
+                  </a:tcPr>
+                </a:tc>
+                <a:tc>
+                  <a:txBody>
+                    <a:bodyPr/>
+                    <a:lstStyle/>
+                    <a:p>
+                      <a:pPr marL="7620" indent="0" algn="ctr" fontAlgn="t"/>
+                      <a:endParaRPr lang="en-US" altLang="zh-CN" sz="1400" b="0" i="0">
+                        <a:solidFill>
+                          <a:srgbClr val="000000"/>
+                        </a:solidFill>
+                        <a:latin typeface="微软雅黑" panose="020B0503020204020204" charset="-122"/>
+                        <a:ea typeface="微软雅黑" panose="020B0503020204020204" charset="-122"/>
+                      </a:endParaRPr>
+                    </a:p>
+                  </a:txBody>
+                  <a:tcPr marL="0" marR="0" marT="0" marB="0" anchor="ctr" anchorCtr="0">
+                    <a:solidFill>
+                      <a:srgbClr val="E6F0F2"/>
+                    </a:solidFill>
+                  </a:tcPr>
+                </a:tc>
+                <a:tc>
+                  <a:txBody>
+                    <a:bodyPr/>
+                    <a:lstStyle/>
+                    <a:p>
+                      <a:pPr marL="7620" indent="0" algn="ctr" fontAlgn="t"/>
+                      <a:endParaRPr lang="en-US" altLang="zh-CN" sz="1400" b="0" i="0">
+                        <a:solidFill>
+                          <a:srgbClr val="000000"/>
+                        </a:solidFill>
+                        <a:latin typeface="微软雅黑" panose="020B0503020204020204" charset="-122"/>
+                        <a:ea typeface="微软雅黑" panose="020B0503020204020204" charset="-122"/>
+                      </a:endParaRPr>
+                    </a:p>
+                  </a:txBody>
+                  <a:tcPr marL="0" marR="0" marT="0" marB="0" anchor="ctr" anchorCtr="0">
+                    <a:solidFill>
+                      <a:srgbClr val="E6F0F2"/>
+                    </a:solidFill>
+                  </a:tcPr>
+                </a:tc>
+                <a:tc>
+                  <a:txBody>
+                    <a:bodyPr/>
+                    <a:lstStyle/>
+                    <a:p>
+                      <a:pPr marL="7620" indent="0" algn="ctr" fontAlgn="t"/>
+                      <a:endParaRPr lang="en-US" altLang="zh-CN" sz="1400" b="0" i="0">
+                        <a:solidFill>
+                          <a:srgbClr val="000000"/>
+                        </a:solidFill>
+                        <a:latin typeface="微软雅黑" panose="020B0503020204020204" charset="-122"/>
+                        <a:ea typeface="微软雅黑" panose="020B0503020204020204" charset="-122"/>
+                      </a:endParaRPr>
+                    </a:p>
+                  </a:txBody>
+                  <a:tcPr marL="0" marR="0" marT="0" marB="0" anchor="ctr" anchorCtr="0">
+                    <a:solidFill>
+                      <a:srgbClr val="E6F0F2"/>
+                    </a:solidFill>
+                  </a:tcPr>
+                </a:tc>
+                <a:tc>
+                  <a:txBody>
+                    <a:bodyPr/>
+                    <a:lstStyle/>
+                    <a:p>
+                      <a:pPr marL="7620" indent="0" algn="ctr" fontAlgn="t"/>
+                      <a:endParaRPr lang="en-US" altLang="zh-CN" sz="1400" b="0" i="0">
+                        <a:solidFill>
+                          <a:srgbClr val="000000"/>
+                        </a:solidFill>
+                        <a:latin typeface="微软雅黑" panose="020B0503020204020204" charset="-122"/>
+                        <a:ea typeface="微软雅黑" panose="020B0503020204020204" charset="-122"/>
+                      </a:endParaRPr>
+                    </a:p>
+                  </a:txBody>
+                  <a:tcPr marL="0" marR="0" marT="0" marB="0" anchor="ctr" anchorCtr="0">
+                    <a:solidFill>
+                      <a:srgbClr val="E6F0F2"/>
+                    </a:solidFill>
+                  </a:tcPr>
+                </a:tc>
+                <a:tc>
+                  <a:txBody>
+                    <a:bodyPr/>
+                    <a:lstStyle/>
+                    <a:p>
+                      <a:pPr marL="7620" indent="0" algn="ctr" fontAlgn="t"/>
+                      <a:endParaRPr lang="en-US" altLang="zh-CN" sz="1400" b="0" i="0">
+                        <a:solidFill>
+                          <a:srgbClr val="000000"/>
+                        </a:solidFill>
+                        <a:latin typeface="微软雅黑" panose="020B0503020204020204" charset="-122"/>
+                        <a:ea typeface="微软雅黑" panose="020B0503020204020204" charset="-122"/>
+                      </a:endParaRPr>
+                    </a:p>
+                  </a:txBody>
+                  <a:tcPr marL="0" marR="0" marT="0" marB="0" anchor="ctr" anchorCtr="0">
                     <a:solidFill>
                       <a:srgbClr val="E6F0F2"/>
                     </a:solidFill>
@@ -1779,112 +1779,112 @@
                       </a:endParaRPr>
                     </a:p>
                   </a:txBody>
-                  <a:tcPr marL="7937" marR="7937" marT="7937" anchor="ctr" anchorCtr="0">
-                    <a:solidFill>
-                      <a:srgbClr val="E6F0F2"/>
-                    </a:solidFill>
-                  </a:tcPr>
-                </a:tc>
-                <a:tc>
-                  <a:txBody>
-                    <a:bodyPr/>
-                    <a:lstStyle/>
-                    <a:p>
-                      <a:pPr marL="7620" indent="0" algn="ctr" fontAlgn="t"/>
-                      <a:endParaRPr lang="en-US" altLang="zh-CN" sz="1400" b="0" i="0">
-                        <a:solidFill>
-                          <a:srgbClr val="000000"/>
-                        </a:solidFill>
-                        <a:latin typeface="微软雅黑" panose="020B0503020204020204" charset="-122"/>
-                        <a:ea typeface="微软雅黑" panose="020B0503020204020204" charset="-122"/>
-                      </a:endParaRPr>
-                    </a:p>
-                  </a:txBody>
-                  <a:tcPr marL="7937" marR="7937" marT="7937" anchor="ctr" anchorCtr="0">
-                    <a:solidFill>
-                      <a:srgbClr val="E6F0F2"/>
-                    </a:solidFill>
-                  </a:tcPr>
-                </a:tc>
-                <a:tc>
-                  <a:txBody>
-                    <a:bodyPr/>
-                    <a:lstStyle/>
-                    <a:p>
-                      <a:pPr marL="7620" indent="0" algn="ctr" fontAlgn="t"/>
-                      <a:endParaRPr lang="en-US" altLang="zh-CN" sz="1400" b="0" i="0">
-                        <a:solidFill>
-                          <a:srgbClr val="000000"/>
-                        </a:solidFill>
-                        <a:latin typeface="微软雅黑" panose="020B0503020204020204" charset="-122"/>
-                        <a:ea typeface="微软雅黑" panose="020B0503020204020204" charset="-122"/>
-                      </a:endParaRPr>
-                    </a:p>
-                  </a:txBody>
-                  <a:tcPr marL="7937" marR="7937" marT="7937" anchor="ctr" anchorCtr="0">
-                    <a:solidFill>
-                      <a:srgbClr val="E6F0F2"/>
-                    </a:solidFill>
-                  </a:tcPr>
-                </a:tc>
-                <a:tc>
-                  <a:txBody>
-                    <a:bodyPr/>
-                    <a:lstStyle/>
-                    <a:p>
-                      <a:pPr marL="7620" indent="0" algn="ctr" fontAlgn="t"/>
-                      <a:endParaRPr lang="en-US" altLang="zh-CN" sz="1400" b="0" i="0">
-                        <a:solidFill>
-                          <a:srgbClr val="000000"/>
-                        </a:solidFill>
-                        <a:latin typeface="微软雅黑" panose="020B0503020204020204" charset="-122"/>
-                        <a:ea typeface="微软雅黑" panose="020B0503020204020204" charset="-122"/>
-                      </a:endParaRPr>
-                    </a:p>
-                  </a:txBody>
-                  <a:tcPr marL="7937" marR="7937" marT="7937" anchor="ctr" anchorCtr="0">
-                    <a:solidFill>
-                      <a:srgbClr val="E6F0F2"/>
-                    </a:solidFill>
-                  </a:tcPr>
-                </a:tc>
-                <a:tc>
-                  <a:txBody>
-                    <a:bodyPr/>
-                    <a:lstStyle/>
-                    <a:p>
-                      <a:pPr marL="7620" indent="0" algn="ctr" fontAlgn="t"/>
-                      <a:endParaRPr lang="en-US" altLang="zh-CN" sz="1400" b="0" i="0">
-                        <a:solidFill>
-                          <a:srgbClr val="000000"/>
-                        </a:solidFill>
-                        <a:latin typeface="微软雅黑" panose="020B0503020204020204" charset="-122"/>
-                        <a:ea typeface="微软雅黑" panose="020B0503020204020204" charset="-122"/>
-                      </a:endParaRPr>
-                    </a:p>
-                  </a:txBody>
-                  <a:tcPr marL="7937" marR="7937" marT="7937" anchor="ctr" anchorCtr="0">
-                    <a:solidFill>
-                      <a:srgbClr val="E6F0F2"/>
-                    </a:solidFill>
-                  </a:tcPr>
-                </a:tc>
-                <a:tc>
-                  <a:txBody>
-                    <a:bodyPr/>
-                    <a:lstStyle/>
-                    <a:p>
-                      <a:pPr marL="7620" indent="0" algn="ctr" fontAlgn="t"/>
-                      <a:endParaRPr lang="en-US" altLang="zh-CN" sz="1400" b="0" i="0">
-                        <a:solidFill>
-                          <a:srgbClr val="000000"/>
-                        </a:solidFill>
-                        <a:latin typeface="微软雅黑" panose="020B0503020204020204" charset="-122"/>
-                        <a:ea typeface="微软雅黑" panose="020B0503020204020204" charset="-122"/>
-                      </a:endParaRPr>
-                    </a:p>
-                  </a:txBody>
-                  <a:tcPr marL="7937" marR="7937" marT="7937" anchor="ctr" anchorCtr="0">
+                  <a:tcPr marL="0" marR="0" marT="0" marB="0" anchor="ctr" anchorCtr="0">
+                    <a:solidFill>
+                      <a:srgbClr val="E6F0F2"/>
+                    </a:solidFill>
+                  </a:tcPr>
+                </a:tc>
+                <a:tc>
+                  <a:txBody>
+                    <a:bodyPr/>
+                    <a:lstStyle/>
+                    <a:p>
+                      <a:pPr marL="7620" indent="0" algn="ctr" fontAlgn="t"/>
+                      <a:endParaRPr lang="en-US" altLang="zh-CN" sz="1400" b="0" i="0">
+                        <a:solidFill>
+                          <a:srgbClr val="000000"/>
+                        </a:solidFill>
+                        <a:latin typeface="微软雅黑" panose="020B0503020204020204" charset="-122"/>
+                        <a:ea typeface="微软雅黑" panose="020B0503020204020204" charset="-122"/>
+                      </a:endParaRPr>
+                    </a:p>
+                  </a:txBody>
+                  <a:tcPr marL="0" marR="0" marT="0" marB="0" anchor="ctr" anchorCtr="0">
+                    <a:solidFill>
+                      <a:srgbClr val="E6F0F2"/>
+                    </a:solidFill>
+                  </a:tcPr>
+                </a:tc>
+                <a:tc>
+                  <a:txBody>
+                    <a:bodyPr/>
+                    <a:lstStyle/>
+                    <a:p>
+                      <a:pPr marL="7620" indent="0" algn="ctr" fontAlgn="t"/>
+                      <a:endParaRPr lang="en-US" altLang="zh-CN" sz="1400" b="0" i="0">
+                        <a:solidFill>
+                          <a:srgbClr val="000000"/>
+                        </a:solidFill>
+                        <a:latin typeface="微软雅黑" panose="020B0503020204020204" charset="-122"/>
+                        <a:ea typeface="微软雅黑" panose="020B0503020204020204" charset="-122"/>
+                      </a:endParaRPr>
+                    </a:p>
+                  </a:txBody>
+                  <a:tcPr marL="0" marR="0" marT="0" marB="0" anchor="ctr" anchorCtr="0">
+                    <a:solidFill>
+                      <a:srgbClr val="E6F0F2"/>
+                    </a:solidFill>
+                  </a:tcPr>
+                </a:tc>
+                <a:tc>
+                  <a:txBody>
+                    <a:bodyPr/>
+                    <a:lstStyle/>
+                    <a:p>
+                      <a:pPr marL="7620" indent="0" algn="ctr" fontAlgn="t"/>
+                      <a:endParaRPr lang="en-US" altLang="zh-CN" sz="1400" b="0" i="0">
+                        <a:solidFill>
+                          <a:srgbClr val="000000"/>
+                        </a:solidFill>
+                        <a:latin typeface="微软雅黑" panose="020B0503020204020204" charset="-122"/>
+                        <a:ea typeface="微软雅黑" panose="020B0503020204020204" charset="-122"/>
+                      </a:endParaRPr>
+                    </a:p>
+                  </a:txBody>
+                  <a:tcPr marL="0" marR="0" marT="0" marB="0" anchor="ctr" anchorCtr="0">
+                    <a:solidFill>
+                      <a:srgbClr val="E6F0F2"/>
+                    </a:solidFill>
+                  </a:tcPr>
+                </a:tc>
+                <a:tc>
+                  <a:txBody>
+                    <a:bodyPr/>
+                    <a:lstStyle/>
+                    <a:p>
+                      <a:pPr marL="7620" indent="0" algn="ctr" fontAlgn="t"/>
+                      <a:endParaRPr lang="en-US" altLang="zh-CN" sz="1400" b="0" i="0">
+                        <a:solidFill>
+                          <a:srgbClr val="000000"/>
+                        </a:solidFill>
+                        <a:latin typeface="微软雅黑" panose="020B0503020204020204" charset="-122"/>
+                        <a:ea typeface="微软雅黑" panose="020B0503020204020204" charset="-122"/>
+                      </a:endParaRPr>
+                    </a:p>
+                  </a:txBody>
+                  <a:tcPr marL="0" marR="0" marT="0" marB="0" anchor="ctr" anchorCtr="0">
+                    <a:solidFill>
+                      <a:srgbClr val="E6F0F2"/>
+                    </a:solidFill>
+                  </a:tcPr>
+                </a:tc>
+                <a:tc>
+                  <a:txBody>
+                    <a:bodyPr/>
+                    <a:lstStyle/>
+                    <a:p>
+                      <a:pPr marL="7620" indent="0" algn="ctr" fontAlgn="t"/>
+                      <a:endParaRPr lang="en-US" altLang="zh-CN" sz="1400" b="0" i="0">
+                        <a:solidFill>
+                          <a:srgbClr val="000000"/>
+                        </a:solidFill>
+                        <a:latin typeface="微软雅黑" panose="020B0503020204020204" charset="-122"/>
+                        <a:ea typeface="微软雅黑" panose="020B0503020204020204" charset="-122"/>
+                      </a:endParaRPr>
+                    </a:p>
+                  </a:txBody>
+                  <a:tcPr marL="0" marR="0" marT="0" marB="0" anchor="ctr" anchorCtr="0">
                     <a:solidFill>
                       <a:srgbClr val="E6F0F2"/>
                     </a:solidFill>
@@ -1910,112 +1910,112 @@
                       </a:endParaRPr>
                     </a:p>
                   </a:txBody>
-                  <a:tcPr marL="7937" marR="7937" marT="7937" anchor="ctr" anchorCtr="0">
-                    <a:solidFill>
-                      <a:srgbClr val="E6F0F2"/>
-                    </a:solidFill>
-                  </a:tcPr>
-                </a:tc>
-                <a:tc>
-                  <a:txBody>
-                    <a:bodyPr/>
-                    <a:lstStyle/>
-                    <a:p>
-                      <a:pPr marL="7620" indent="0" algn="ctr" fontAlgn="t"/>
-                      <a:endParaRPr lang="en-US" altLang="zh-CN" sz="1400" b="0" i="0">
-                        <a:solidFill>
-                          <a:srgbClr val="000000"/>
-                        </a:solidFill>
-                        <a:latin typeface="微软雅黑" panose="020B0503020204020204" charset="-122"/>
-                        <a:ea typeface="微软雅黑" panose="020B0503020204020204" charset="-122"/>
-                      </a:endParaRPr>
-                    </a:p>
-                  </a:txBody>
-                  <a:tcPr marL="7937" marR="7937" marT="7937" anchor="ctr" anchorCtr="0">
-                    <a:solidFill>
-                      <a:srgbClr val="E6F0F2"/>
-                    </a:solidFill>
-                  </a:tcPr>
-                </a:tc>
-                <a:tc>
-                  <a:txBody>
-                    <a:bodyPr/>
-                    <a:lstStyle/>
-                    <a:p>
-                      <a:pPr marL="7620" indent="0" algn="ctr" fontAlgn="t"/>
-                      <a:endParaRPr lang="en-US" altLang="zh-CN" sz="1400" b="0" i="0">
-                        <a:solidFill>
-                          <a:srgbClr val="000000"/>
-                        </a:solidFill>
-                        <a:latin typeface="微软雅黑" panose="020B0503020204020204" charset="-122"/>
-                        <a:ea typeface="微软雅黑" panose="020B0503020204020204" charset="-122"/>
-                      </a:endParaRPr>
-                    </a:p>
-                  </a:txBody>
-                  <a:tcPr marL="7937" marR="7937" marT="7937" anchor="ctr" anchorCtr="0">
-                    <a:solidFill>
-                      <a:srgbClr val="E6F0F2"/>
-                    </a:solidFill>
-                  </a:tcPr>
-                </a:tc>
-                <a:tc>
-                  <a:txBody>
-                    <a:bodyPr/>
-                    <a:lstStyle/>
-                    <a:p>
-                      <a:pPr marL="7620" indent="0" algn="ctr" fontAlgn="t"/>
-                      <a:endParaRPr lang="en-US" altLang="zh-CN" sz="1400" b="0" i="0">
-                        <a:solidFill>
-                          <a:srgbClr val="000000"/>
-                        </a:solidFill>
-                        <a:latin typeface="微软雅黑" panose="020B0503020204020204" charset="-122"/>
-                        <a:ea typeface="微软雅黑" panose="020B0503020204020204" charset="-122"/>
-                      </a:endParaRPr>
-                    </a:p>
-                  </a:txBody>
-                  <a:tcPr marL="7937" marR="7937" marT="7937" anchor="ctr" anchorCtr="0">
-                    <a:solidFill>
-                      <a:srgbClr val="E6F0F2"/>
-                    </a:solidFill>
-                  </a:tcPr>
-                </a:tc>
-                <a:tc>
-                  <a:txBody>
-                    <a:bodyPr/>
-                    <a:lstStyle/>
-                    <a:p>
-                      <a:pPr marL="7620" indent="0" algn="ctr" fontAlgn="t"/>
-                      <a:endParaRPr lang="en-US" altLang="zh-CN" sz="1400" b="0" i="0">
-                        <a:solidFill>
-                          <a:srgbClr val="000000"/>
-                        </a:solidFill>
-                        <a:latin typeface="微软雅黑" panose="020B0503020204020204" charset="-122"/>
-                        <a:ea typeface="微软雅黑" panose="020B0503020204020204" charset="-122"/>
-                      </a:endParaRPr>
-                    </a:p>
-                  </a:txBody>
-                  <a:tcPr marL="7937" marR="7937" marT="7937" anchor="ctr" anchorCtr="0">
-                    <a:solidFill>
-                      <a:srgbClr val="E6F0F2"/>
-                    </a:solidFill>
-                  </a:tcPr>
-                </a:tc>
-                <a:tc>
-                  <a:txBody>
-                    <a:bodyPr/>
-                    <a:lstStyle/>
-                    <a:p>
-                      <a:pPr marL="7620" indent="0" algn="ctr" fontAlgn="t"/>
-                      <a:endParaRPr lang="en-US" altLang="zh-CN" sz="1400" b="0" i="0">
-                        <a:solidFill>
-                          <a:srgbClr val="000000"/>
-                        </a:solidFill>
-                        <a:latin typeface="微软雅黑" panose="020B0503020204020204" charset="-122"/>
-                        <a:ea typeface="微软雅黑" panose="020B0503020204020204" charset="-122"/>
-                      </a:endParaRPr>
-                    </a:p>
-                  </a:txBody>
-                  <a:tcPr marL="7937" marR="7937" marT="7937" anchor="ctr" anchorCtr="0">
+                  <a:tcPr marL="0" marR="0" marT="0" marB="0" anchor="ctr" anchorCtr="0">
+                    <a:solidFill>
+                      <a:srgbClr val="E6F0F2"/>
+                    </a:solidFill>
+                  </a:tcPr>
+                </a:tc>
+                <a:tc>
+                  <a:txBody>
+                    <a:bodyPr/>
+                    <a:lstStyle/>
+                    <a:p>
+                      <a:pPr marL="7620" indent="0" algn="ctr" fontAlgn="t"/>
+                      <a:endParaRPr lang="en-US" altLang="zh-CN" sz="1400" b="0" i="0">
+                        <a:solidFill>
+                          <a:srgbClr val="000000"/>
+                        </a:solidFill>
+                        <a:latin typeface="微软雅黑" panose="020B0503020204020204" charset="-122"/>
+                        <a:ea typeface="微软雅黑" panose="020B0503020204020204" charset="-122"/>
+                      </a:endParaRPr>
+                    </a:p>
+                  </a:txBody>
+                  <a:tcPr marL="0" marR="0" marT="0" marB="0" anchor="ctr" anchorCtr="0">
+                    <a:solidFill>
+                      <a:srgbClr val="E6F0F2"/>
+                    </a:solidFill>
+                  </a:tcPr>
+                </a:tc>
+                <a:tc>
+                  <a:txBody>
+                    <a:bodyPr/>
+                    <a:lstStyle/>
+                    <a:p>
+                      <a:pPr marL="7620" indent="0" algn="ctr" fontAlgn="t"/>
+                      <a:endParaRPr lang="en-US" altLang="zh-CN" sz="1400" b="0" i="0">
+                        <a:solidFill>
+                          <a:srgbClr val="000000"/>
+                        </a:solidFill>
+                        <a:latin typeface="微软雅黑" panose="020B0503020204020204" charset="-122"/>
+                        <a:ea typeface="微软雅黑" panose="020B0503020204020204" charset="-122"/>
+                      </a:endParaRPr>
+                    </a:p>
+                  </a:txBody>
+                  <a:tcPr marL="0" marR="0" marT="0" marB="0" anchor="ctr" anchorCtr="0">
+                    <a:solidFill>
+                      <a:srgbClr val="E6F0F2"/>
+                    </a:solidFill>
+                  </a:tcPr>
+                </a:tc>
+                <a:tc>
+                  <a:txBody>
+                    <a:bodyPr/>
+                    <a:lstStyle/>
+                    <a:p>
+                      <a:pPr marL="7620" indent="0" algn="ctr" fontAlgn="t"/>
+                      <a:endParaRPr lang="en-US" altLang="zh-CN" sz="1400" b="0" i="0">
+                        <a:solidFill>
+                          <a:srgbClr val="000000"/>
+                        </a:solidFill>
+                        <a:latin typeface="微软雅黑" panose="020B0503020204020204" charset="-122"/>
+                        <a:ea typeface="微软雅黑" panose="020B0503020204020204" charset="-122"/>
+                      </a:endParaRPr>
+                    </a:p>
+                  </a:txBody>
+                  <a:tcPr marL="0" marR="0" marT="0" marB="0" anchor="ctr" anchorCtr="0">
+                    <a:solidFill>
+                      <a:srgbClr val="E6F0F2"/>
+                    </a:solidFill>
+                  </a:tcPr>
+                </a:tc>
+                <a:tc>
+                  <a:txBody>
+                    <a:bodyPr/>
+                    <a:lstStyle/>
+                    <a:p>
+                      <a:pPr marL="7620" indent="0" algn="ctr" fontAlgn="t"/>
+                      <a:endParaRPr lang="en-US" altLang="zh-CN" sz="1400" b="0" i="0">
+                        <a:solidFill>
+                          <a:srgbClr val="000000"/>
+                        </a:solidFill>
+                        <a:latin typeface="微软雅黑" panose="020B0503020204020204" charset="-122"/>
+                        <a:ea typeface="微软雅黑" panose="020B0503020204020204" charset="-122"/>
+                      </a:endParaRPr>
+                    </a:p>
+                  </a:txBody>
+                  <a:tcPr marL="0" marR="0" marT="0" marB="0" anchor="ctr" anchorCtr="0">
+                    <a:solidFill>
+                      <a:srgbClr val="E6F0F2"/>
+                    </a:solidFill>
+                  </a:tcPr>
+                </a:tc>
+                <a:tc>
+                  <a:txBody>
+                    <a:bodyPr/>
+                    <a:lstStyle/>
+                    <a:p>
+                      <a:pPr marL="7620" indent="0" algn="ctr" fontAlgn="t"/>
+                      <a:endParaRPr lang="en-US" altLang="zh-CN" sz="1400" b="0" i="0">
+                        <a:solidFill>
+                          <a:srgbClr val="000000"/>
+                        </a:solidFill>
+                        <a:latin typeface="微软雅黑" panose="020B0503020204020204" charset="-122"/>
+                        <a:ea typeface="微软雅黑" panose="020B0503020204020204" charset="-122"/>
+                      </a:endParaRPr>
+                    </a:p>
+                  </a:txBody>
+                  <a:tcPr marL="0" marR="0" marT="0" marB="0" anchor="ctr" anchorCtr="0">
                     <a:solidFill>
                       <a:srgbClr val="E6F0F2"/>
                     </a:solidFill>
@@ -2079,7 +2079,7 @@
                       </a:endParaRPr>
                     </a:p>
                   </a:txBody>
-                  <a:tcPr marL="7937" marR="7937" marT="7937" anchor="ctr" anchorCtr="0">
+                  <a:tcPr marL="0" marR="0" marT="0" marB="0" anchor="ctr" anchorCtr="0">
                     <a:solidFill>
                       <a:srgbClr val="E6F0F2"/>
                     </a:solidFill>
@@ -2108,7 +2108,7 @@
                       </a:endParaRPr>
                     </a:p>
                   </a:txBody>
-                  <a:tcPr marL="7937" marR="7937" marT="7937" anchor="ctr" anchorCtr="0">
+                  <a:tcPr marL="0" marR="0" marT="0" marB="0" anchor="ctr" anchorCtr="0">
                     <a:solidFill>
                       <a:srgbClr val="E6F0F2"/>
                     </a:solidFill>
@@ -2130,7 +2130,7 @@
                       </a:endParaRPr>
                     </a:p>
                   </a:txBody>
-                  <a:tcPr marL="7937" marR="7937" marT="7937" anchor="ctr" anchorCtr="0">
+                  <a:tcPr marL="0" marR="0" marT="0" marB="0" anchor="ctr" anchorCtr="0">
                     <a:solidFill>
                       <a:srgbClr val="E6F0F2"/>
                     </a:solidFill>
@@ -2152,7 +2152,7 @@
                       </a:endParaRPr>
                     </a:p>
                   </a:txBody>
-                  <a:tcPr marL="7937" marR="7937" marT="7937" anchor="ctr" anchorCtr="0">
+                  <a:tcPr marL="0" marR="0" marT="0" marB="0" anchor="ctr" anchorCtr="0">
                     <a:solidFill>
                       <a:srgbClr val="E6F0F2"/>
                     </a:solidFill>
@@ -2174,7 +2174,7 @@
                       </a:endParaRPr>
                     </a:p>
                   </a:txBody>
-                  <a:tcPr marL="7937" marR="7937" marT="7937" anchor="ctr" anchorCtr="0">
+                  <a:tcPr marL="0" marR="0" marT="0" marB="0" anchor="ctr" anchorCtr="0">
                     <a:solidFill>
                       <a:srgbClr val="E6F0F2"/>
                     </a:solidFill>
@@ -2197,133 +2197,133 @@
                       </a:endParaRPr>
                     </a:p>
                   </a:txBody>
-                  <a:tcPr marL="7937" marR="7937" marT="7937" anchor="ctr" anchorCtr="0">
-                    <a:solidFill>
-                      <a:srgbClr val="E6F0F2"/>
-                    </a:solidFill>
-                  </a:tcPr>
-                </a:tc>
-                <a:tc>
-                  <a:txBody>
-                    <a:bodyPr/>
-                    <a:lstStyle/>
-                    <a:p>
-                      <a:pPr marL="7620" indent="0" algn="ctr" fontAlgn="ctr"/>
-                      <a:endParaRPr lang="en-US" altLang="zh-CN" sz="1400" b="0" i="0">
-                        <a:solidFill>
-                          <a:srgbClr val="000000"/>
-                        </a:solidFill>
-                        <a:latin typeface="微软雅黑" panose="020B0503020204020204" charset="-122"/>
-                        <a:ea typeface="微软雅黑" panose="020B0503020204020204" charset="-122"/>
-                      </a:endParaRPr>
-                    </a:p>
-                  </a:txBody>
-                  <a:tcPr marL="7937" marR="7937" marT="7937" anchor="ctr" anchorCtr="0">
-                    <a:solidFill>
-                      <a:srgbClr val="E6F0F2"/>
-                    </a:solidFill>
-                  </a:tcPr>
-                </a:tc>
-                <a:tc>
-                  <a:txBody>
-                    <a:bodyPr/>
-                    <a:lstStyle/>
-                    <a:p>
-                      <a:pPr marL="7620" indent="0" algn="ctr" fontAlgn="t"/>
-                      <a:endParaRPr lang="en-US" altLang="zh-CN" sz="1400" b="0" i="0">
-                        <a:solidFill>
-                          <a:srgbClr val="000000"/>
-                        </a:solidFill>
-                        <a:latin typeface="微软雅黑" panose="020B0503020204020204" charset="-122"/>
-                        <a:ea typeface="微软雅黑" panose="020B0503020204020204" charset="-122"/>
-                      </a:endParaRPr>
-                    </a:p>
-                  </a:txBody>
-                  <a:tcPr marL="7937" marR="7937" marT="7937" anchor="ctr" anchorCtr="0">
-                    <a:solidFill>
-                      <a:srgbClr val="E6F0F2"/>
-                    </a:solidFill>
-                  </a:tcPr>
-                </a:tc>
-                <a:tc>
-                  <a:txBody>
-                    <a:bodyPr/>
-                    <a:lstStyle/>
-                    <a:p>
-                      <a:pPr marL="7620" indent="0" algn="ctr" fontAlgn="t"/>
-                      <a:endParaRPr lang="en-US" altLang="zh-CN" sz="1400" b="0" i="0">
-                        <a:solidFill>
-                          <a:srgbClr val="000000"/>
-                        </a:solidFill>
-                        <a:latin typeface="微软雅黑" panose="020B0503020204020204" charset="-122"/>
-                        <a:ea typeface="微软雅黑" panose="020B0503020204020204" charset="-122"/>
-                      </a:endParaRPr>
-                    </a:p>
-                  </a:txBody>
-                  <a:tcPr marL="7937" marR="7937" marT="7937" anchor="ctr" anchorCtr="0">
-                    <a:solidFill>
-                      <a:srgbClr val="E6F0F2"/>
-                    </a:solidFill>
-                  </a:tcPr>
-                </a:tc>
-                <a:tc>
-                  <a:txBody>
-                    <a:bodyPr/>
-                    <a:lstStyle/>
-                    <a:p>
-                      <a:pPr marL="7620" indent="0" algn="ctr" fontAlgn="t"/>
-                      <a:endParaRPr lang="en-US" altLang="zh-CN" sz="1400" b="0" i="0">
-                        <a:solidFill>
-                          <a:srgbClr val="000000"/>
-                        </a:solidFill>
-                        <a:latin typeface="微软雅黑" panose="020B0503020204020204" charset="-122"/>
-                        <a:ea typeface="微软雅黑" panose="020B0503020204020204" charset="-122"/>
-                      </a:endParaRPr>
-                    </a:p>
-                  </a:txBody>
-                  <a:tcPr marL="7937" marR="7937" marT="7937" anchor="ctr" anchorCtr="0">
-                    <a:solidFill>
-                      <a:srgbClr val="E6F0F2"/>
-                    </a:solidFill>
-                  </a:tcPr>
-                </a:tc>
-                <a:tc>
-                  <a:txBody>
-                    <a:bodyPr/>
-                    <a:lstStyle/>
-                    <a:p>
-                      <a:pPr marL="7620" indent="0" algn="ctr" fontAlgn="t"/>
-                      <a:endParaRPr lang="en-US" altLang="zh-CN" sz="1400" b="0" i="0">
-                        <a:solidFill>
-                          <a:srgbClr val="000000"/>
-                        </a:solidFill>
-                        <a:latin typeface="微软雅黑" panose="020B0503020204020204" charset="-122"/>
-                        <a:ea typeface="微软雅黑" panose="020B0503020204020204" charset="-122"/>
-                      </a:endParaRPr>
-                    </a:p>
-                  </a:txBody>
-                  <a:tcPr marL="7937" marR="7937" marT="7937" anchor="ctr" anchorCtr="0">
-                    <a:solidFill>
-                      <a:srgbClr val="E6F0F2"/>
-                    </a:solidFill>
-                  </a:tcPr>
-                </a:tc>
-                <a:tc>
-                  <a:txBody>
-                    <a:bodyPr/>
-                    <a:lstStyle/>
-                    <a:p>
-                      <a:pPr marL="7620" indent="0" algn="ctr" fontAlgn="t"/>
-                      <a:endParaRPr lang="en-US" altLang="zh-CN" sz="1400" b="0" i="0">
-                        <a:solidFill>
-                          <a:srgbClr val="000000"/>
-                        </a:solidFill>
-                        <a:latin typeface="微软雅黑" panose="020B0503020204020204" charset="-122"/>
-                        <a:ea typeface="微软雅黑" panose="020B0503020204020204" charset="-122"/>
-                      </a:endParaRPr>
-                    </a:p>
-                  </a:txBody>
-                  <a:tcPr marL="7937" marR="7937" marT="7937" anchor="ctr" anchorCtr="0">
+                  <a:tcPr marL="0" marR="0" marT="0" marB="0" anchor="ctr" anchorCtr="0">
+                    <a:solidFill>
+                      <a:srgbClr val="E6F0F2"/>
+                    </a:solidFill>
+                  </a:tcPr>
+                </a:tc>
+                <a:tc>
+                  <a:txBody>
+                    <a:bodyPr/>
+                    <a:lstStyle/>
+                    <a:p>
+                      <a:pPr marL="7620" indent="0" algn="ctr" fontAlgn="ctr"/>
+                      <a:endParaRPr lang="en-US" altLang="zh-CN" sz="1400" b="0" i="0">
+                        <a:solidFill>
+                          <a:srgbClr val="000000"/>
+                        </a:solidFill>
+                        <a:latin typeface="微软雅黑" panose="020B0503020204020204" charset="-122"/>
+                        <a:ea typeface="微软雅黑" panose="020B0503020204020204" charset="-122"/>
+                      </a:endParaRPr>
+                    </a:p>
+                  </a:txBody>
+                  <a:tcPr marL="0" marR="0" marT="0" marB="0" anchor="ctr" anchorCtr="0">
+                    <a:solidFill>
+                      <a:srgbClr val="E6F0F2"/>
+                    </a:solidFill>
+                  </a:tcPr>
+                </a:tc>
+                <a:tc>
+                  <a:txBody>
+                    <a:bodyPr/>
+                    <a:lstStyle/>
+                    <a:p>
+                      <a:pPr marL="7620" indent="0" algn="ctr" fontAlgn="t"/>
+                      <a:endParaRPr lang="en-US" altLang="zh-CN" sz="1400" b="0" i="0">
+                        <a:solidFill>
+                          <a:srgbClr val="000000"/>
+                        </a:solidFill>
+                        <a:latin typeface="微软雅黑" panose="020B0503020204020204" charset="-122"/>
+                        <a:ea typeface="微软雅黑" panose="020B0503020204020204" charset="-122"/>
+                      </a:endParaRPr>
+                    </a:p>
+                  </a:txBody>
+                  <a:tcPr marL="0" marR="0" marT="0" marB="0" anchor="ctr" anchorCtr="0">
+                    <a:solidFill>
+                      <a:srgbClr val="E6F0F2"/>
+                    </a:solidFill>
+                  </a:tcPr>
+                </a:tc>
+                <a:tc>
+                  <a:txBody>
+                    <a:bodyPr/>
+                    <a:lstStyle/>
+                    <a:p>
+                      <a:pPr marL="7620" indent="0" algn="ctr" fontAlgn="t"/>
+                      <a:endParaRPr lang="en-US" altLang="zh-CN" sz="1400" b="0" i="0">
+                        <a:solidFill>
+                          <a:srgbClr val="000000"/>
+                        </a:solidFill>
+                        <a:latin typeface="微软雅黑" panose="020B0503020204020204" charset="-122"/>
+                        <a:ea typeface="微软雅黑" panose="020B0503020204020204" charset="-122"/>
+                      </a:endParaRPr>
+                    </a:p>
+                  </a:txBody>
+                  <a:tcPr marL="0" marR="0" marT="0" marB="0" anchor="ctr" anchorCtr="0">
+                    <a:solidFill>
+                      <a:srgbClr val="E6F0F2"/>
+                    </a:solidFill>
+                  </a:tcPr>
+                </a:tc>
+                <a:tc>
+                  <a:txBody>
+                    <a:bodyPr/>
+                    <a:lstStyle/>
+                    <a:p>
+                      <a:pPr marL="7620" indent="0" algn="ctr" fontAlgn="t"/>
+                      <a:endParaRPr lang="en-US" altLang="zh-CN" sz="1400" b="0" i="0">
+                        <a:solidFill>
+                          <a:srgbClr val="000000"/>
+                        </a:solidFill>
+                        <a:latin typeface="微软雅黑" panose="020B0503020204020204" charset="-122"/>
+                        <a:ea typeface="微软雅黑" panose="020B0503020204020204" charset="-122"/>
+                      </a:endParaRPr>
+                    </a:p>
+                  </a:txBody>
+                  <a:tcPr marL="0" marR="0" marT="0" marB="0" anchor="ctr" anchorCtr="0">
+                    <a:solidFill>
+                      <a:srgbClr val="E6F0F2"/>
+                    </a:solidFill>
+                  </a:tcPr>
+                </a:tc>
+                <a:tc>
+                  <a:txBody>
+                    <a:bodyPr/>
+                    <a:lstStyle/>
+                    <a:p>
+                      <a:pPr marL="7620" indent="0" algn="ctr" fontAlgn="t"/>
+                      <a:endParaRPr lang="en-US" altLang="zh-CN" sz="1400" b="0" i="0">
+                        <a:solidFill>
+                          <a:srgbClr val="000000"/>
+                        </a:solidFill>
+                        <a:latin typeface="微软雅黑" panose="020B0503020204020204" charset="-122"/>
+                        <a:ea typeface="微软雅黑" panose="020B0503020204020204" charset="-122"/>
+                      </a:endParaRPr>
+                    </a:p>
+                  </a:txBody>
+                  <a:tcPr marL="0" marR="0" marT="0" marB="0" anchor="ctr" anchorCtr="0">
+                    <a:solidFill>
+                      <a:srgbClr val="E6F0F2"/>
+                    </a:solidFill>
+                  </a:tcPr>
+                </a:tc>
+                <a:tc>
+                  <a:txBody>
+                    <a:bodyPr/>
+                    <a:lstStyle/>
+                    <a:p>
+                      <a:pPr marL="7620" indent="0" algn="ctr" fontAlgn="t"/>
+                      <a:endParaRPr lang="en-US" altLang="zh-CN" sz="1400" b="0" i="0">
+                        <a:solidFill>
+                          <a:srgbClr val="000000"/>
+                        </a:solidFill>
+                        <a:latin typeface="微软雅黑" panose="020B0503020204020204" charset="-122"/>
+                        <a:ea typeface="微软雅黑" panose="020B0503020204020204" charset="-122"/>
+                      </a:endParaRPr>
+                    </a:p>
+                  </a:txBody>
+                  <a:tcPr marL="0" marR="0" marT="0" marB="0" anchor="ctr" anchorCtr="0">
                     <a:solidFill>
                       <a:srgbClr val="E6F0F2"/>
                     </a:solidFill>
@@ -2349,112 +2349,112 @@
                       </a:endParaRPr>
                     </a:p>
                   </a:txBody>
-                  <a:tcPr marL="7937" marR="7937" marT="7937" anchor="ctr" anchorCtr="0">
-                    <a:solidFill>
-                      <a:srgbClr val="E6F0F2"/>
-                    </a:solidFill>
-                  </a:tcPr>
-                </a:tc>
-                <a:tc>
-                  <a:txBody>
-                    <a:bodyPr/>
-                    <a:lstStyle/>
-                    <a:p>
-                      <a:pPr marL="7620" indent="0" algn="ctr" fontAlgn="t"/>
-                      <a:endParaRPr lang="en-US" altLang="zh-CN" sz="1400" b="0" i="0">
-                        <a:solidFill>
-                          <a:srgbClr val="000000"/>
-                        </a:solidFill>
-                        <a:latin typeface="微软雅黑" panose="020B0503020204020204" charset="-122"/>
-                        <a:ea typeface="微软雅黑" panose="020B0503020204020204" charset="-122"/>
-                      </a:endParaRPr>
-                    </a:p>
-                  </a:txBody>
-                  <a:tcPr marL="7937" marR="7937" marT="7937" anchor="ctr" anchorCtr="0">
-                    <a:solidFill>
-                      <a:srgbClr val="E6F0F2"/>
-                    </a:solidFill>
-                  </a:tcPr>
-                </a:tc>
-                <a:tc>
-                  <a:txBody>
-                    <a:bodyPr/>
-                    <a:lstStyle/>
-                    <a:p>
-                      <a:pPr marL="7620" indent="0" algn="ctr" fontAlgn="t"/>
-                      <a:endParaRPr lang="en-US" altLang="zh-CN" sz="1400" b="0" i="0">
-                        <a:solidFill>
-                          <a:srgbClr val="000000"/>
-                        </a:solidFill>
-                        <a:latin typeface="微软雅黑" panose="020B0503020204020204" charset="-122"/>
-                        <a:ea typeface="微软雅黑" panose="020B0503020204020204" charset="-122"/>
-                      </a:endParaRPr>
-                    </a:p>
-                  </a:txBody>
-                  <a:tcPr marL="7937" marR="7937" marT="7937" anchor="ctr" anchorCtr="0">
-                    <a:solidFill>
-                      <a:srgbClr val="E6F0F2"/>
-                    </a:solidFill>
-                  </a:tcPr>
-                </a:tc>
-                <a:tc>
-                  <a:txBody>
-                    <a:bodyPr/>
-                    <a:lstStyle/>
-                    <a:p>
-                      <a:pPr marL="7620" indent="0" algn="ctr" fontAlgn="t"/>
-                      <a:endParaRPr lang="en-US" altLang="zh-CN" sz="1400" b="0" i="0">
-                        <a:solidFill>
-                          <a:srgbClr val="000000"/>
-                        </a:solidFill>
-                        <a:latin typeface="微软雅黑" panose="020B0503020204020204" charset="-122"/>
-                        <a:ea typeface="微软雅黑" panose="020B0503020204020204" charset="-122"/>
-                      </a:endParaRPr>
-                    </a:p>
-                  </a:txBody>
-                  <a:tcPr marL="7937" marR="7937" marT="7937" anchor="ctr" anchorCtr="0">
-                    <a:solidFill>
-                      <a:srgbClr val="E6F0F2"/>
-                    </a:solidFill>
-                  </a:tcPr>
-                </a:tc>
-                <a:tc>
-                  <a:txBody>
-                    <a:bodyPr/>
-                    <a:lstStyle/>
-                    <a:p>
-                      <a:pPr marL="7620" indent="0" algn="ctr" fontAlgn="t"/>
-                      <a:endParaRPr lang="en-US" altLang="zh-CN" sz="1400" b="0" i="0">
-                        <a:solidFill>
-                          <a:srgbClr val="000000"/>
-                        </a:solidFill>
-                        <a:latin typeface="微软雅黑" panose="020B0503020204020204" charset="-122"/>
-                        <a:ea typeface="微软雅黑" panose="020B0503020204020204" charset="-122"/>
-                      </a:endParaRPr>
-                    </a:p>
-                  </a:txBody>
-                  <a:tcPr marL="7937" marR="7937" marT="7937" anchor="ctr" anchorCtr="0">
-                    <a:solidFill>
-                      <a:srgbClr val="E6F0F2"/>
-                    </a:solidFill>
-                  </a:tcPr>
-                </a:tc>
-                <a:tc>
-                  <a:txBody>
-                    <a:bodyPr/>
-                    <a:lstStyle/>
-                    <a:p>
-                      <a:pPr marL="7620" indent="0" algn="ctr" fontAlgn="t"/>
-                      <a:endParaRPr lang="en-US" altLang="zh-CN" sz="1400" b="0" i="0">
-                        <a:solidFill>
-                          <a:srgbClr val="000000"/>
-                        </a:solidFill>
-                        <a:latin typeface="微软雅黑" panose="020B0503020204020204" charset="-122"/>
-                        <a:ea typeface="微软雅黑" panose="020B0503020204020204" charset="-122"/>
-                      </a:endParaRPr>
-                    </a:p>
-                  </a:txBody>
-                  <a:tcPr marL="7937" marR="7937" marT="7937" anchor="ctr" anchorCtr="0">
+                  <a:tcPr marL="0" marR="0" marT="0" marB="0" anchor="ctr" anchorCtr="0">
+                    <a:solidFill>
+                      <a:srgbClr val="E6F0F2"/>
+                    </a:solidFill>
+                  </a:tcPr>
+                </a:tc>
+                <a:tc>
+                  <a:txBody>
+                    <a:bodyPr/>
+                    <a:lstStyle/>
+                    <a:p>
+                      <a:pPr marL="7620" indent="0" algn="ctr" fontAlgn="t"/>
+                      <a:endParaRPr lang="en-US" altLang="zh-CN" sz="1400" b="0" i="0">
+                        <a:solidFill>
+                          <a:srgbClr val="000000"/>
+                        </a:solidFill>
+                        <a:latin typeface="微软雅黑" panose="020B0503020204020204" charset="-122"/>
+                        <a:ea typeface="微软雅黑" panose="020B0503020204020204" charset="-122"/>
+                      </a:endParaRPr>
+                    </a:p>
+                  </a:txBody>
+                  <a:tcPr marL="0" marR="0" marT="0" marB="0" anchor="ctr" anchorCtr="0">
+                    <a:solidFill>
+                      <a:srgbClr val="E6F0F2"/>
+                    </a:solidFill>
+                  </a:tcPr>
+                </a:tc>
+                <a:tc>
+                  <a:txBody>
+                    <a:bodyPr/>
+                    <a:lstStyle/>
+                    <a:p>
+                      <a:pPr marL="7620" indent="0" algn="ctr" fontAlgn="t"/>
+                      <a:endParaRPr lang="en-US" altLang="zh-CN" sz="1400" b="0" i="0">
+                        <a:solidFill>
+                          <a:srgbClr val="000000"/>
+                        </a:solidFill>
+                        <a:latin typeface="微软雅黑" panose="020B0503020204020204" charset="-122"/>
+                        <a:ea typeface="微软雅黑" panose="020B0503020204020204" charset="-122"/>
+                      </a:endParaRPr>
+                    </a:p>
+                  </a:txBody>
+                  <a:tcPr marL="0" marR="0" marT="0" marB="0" anchor="ctr" anchorCtr="0">
+                    <a:solidFill>
+                      <a:srgbClr val="E6F0F2"/>
+                    </a:solidFill>
+                  </a:tcPr>
+                </a:tc>
+                <a:tc>
+                  <a:txBody>
+                    <a:bodyPr/>
+                    <a:lstStyle/>
+                    <a:p>
+                      <a:pPr marL="7620" indent="0" algn="ctr" fontAlgn="t"/>
+                      <a:endParaRPr lang="en-US" altLang="zh-CN" sz="1400" b="0" i="0">
+                        <a:solidFill>
+                          <a:srgbClr val="000000"/>
+                        </a:solidFill>
+                        <a:latin typeface="微软雅黑" panose="020B0503020204020204" charset="-122"/>
+                        <a:ea typeface="微软雅黑" panose="020B0503020204020204" charset="-122"/>
+                      </a:endParaRPr>
+                    </a:p>
+                  </a:txBody>
+                  <a:tcPr marL="0" marR="0" marT="0" marB="0" anchor="ctr" anchorCtr="0">
+                    <a:solidFill>
+                      <a:srgbClr val="E6F0F2"/>
+                    </a:solidFill>
+                  </a:tcPr>
+                </a:tc>
+                <a:tc>
+                  <a:txBody>
+                    <a:bodyPr/>
+                    <a:lstStyle/>
+                    <a:p>
+                      <a:pPr marL="7620" indent="0" algn="ctr" fontAlgn="t"/>
+                      <a:endParaRPr lang="en-US" altLang="zh-CN" sz="1400" b="0" i="0">
+                        <a:solidFill>
+                          <a:srgbClr val="000000"/>
+                        </a:solidFill>
+                        <a:latin typeface="微软雅黑" panose="020B0503020204020204" charset="-122"/>
+                        <a:ea typeface="微软雅黑" panose="020B0503020204020204" charset="-122"/>
+                      </a:endParaRPr>
+                    </a:p>
+                  </a:txBody>
+                  <a:tcPr marL="0" marR="0" marT="0" marB="0" anchor="ctr" anchorCtr="0">
+                    <a:solidFill>
+                      <a:srgbClr val="E6F0F2"/>
+                    </a:solidFill>
+                  </a:tcPr>
+                </a:tc>
+                <a:tc>
+                  <a:txBody>
+                    <a:bodyPr/>
+                    <a:lstStyle/>
+                    <a:p>
+                      <a:pPr marL="7620" indent="0" algn="ctr" fontAlgn="t"/>
+                      <a:endParaRPr lang="en-US" altLang="zh-CN" sz="1400" b="0" i="0">
+                        <a:solidFill>
+                          <a:srgbClr val="000000"/>
+                        </a:solidFill>
+                        <a:latin typeface="微软雅黑" panose="020B0503020204020204" charset="-122"/>
+                        <a:ea typeface="微软雅黑" panose="020B0503020204020204" charset="-122"/>
+                      </a:endParaRPr>
+                    </a:p>
+                  </a:txBody>
+                  <a:tcPr marL="0" marR="0" marT="0" marB="0" anchor="ctr" anchorCtr="0">
                     <a:solidFill>
                       <a:srgbClr val="E6F0F2"/>
                     </a:solidFill>
@@ -2480,112 +2480,112 @@
                       </a:endParaRPr>
                     </a:p>
                   </a:txBody>
-                  <a:tcPr marL="7937" marR="7937" marT="7937" anchor="ctr" anchorCtr="0">
-                    <a:solidFill>
-                      <a:srgbClr val="E6F0F2"/>
-                    </a:solidFill>
-                  </a:tcPr>
-                </a:tc>
-                <a:tc>
-                  <a:txBody>
-                    <a:bodyPr/>
-                    <a:lstStyle/>
-                    <a:p>
-                      <a:pPr marL="7620" indent="0" algn="ctr" fontAlgn="t"/>
-                      <a:endParaRPr lang="en-US" altLang="zh-CN" sz="1400" b="0" i="0">
-                        <a:solidFill>
-                          <a:srgbClr val="000000"/>
-                        </a:solidFill>
-                        <a:latin typeface="微软雅黑" panose="020B0503020204020204" charset="-122"/>
-                        <a:ea typeface="微软雅黑" panose="020B0503020204020204" charset="-122"/>
-                      </a:endParaRPr>
-                    </a:p>
-                  </a:txBody>
-                  <a:tcPr marL="7937" marR="7937" marT="7937" anchor="ctr" anchorCtr="0">
-                    <a:solidFill>
-                      <a:srgbClr val="E6F0F2"/>
-                    </a:solidFill>
-                  </a:tcPr>
-                </a:tc>
-                <a:tc>
-                  <a:txBody>
-                    <a:bodyPr/>
-                    <a:lstStyle/>
-                    <a:p>
-                      <a:pPr marL="7620" indent="0" algn="ctr" fontAlgn="t"/>
-                      <a:endParaRPr lang="en-US" altLang="zh-CN" sz="1400" b="0" i="0">
-                        <a:solidFill>
-                          <a:srgbClr val="000000"/>
-                        </a:solidFill>
-                        <a:latin typeface="微软雅黑" panose="020B0503020204020204" charset="-122"/>
-                        <a:ea typeface="微软雅黑" panose="020B0503020204020204" charset="-122"/>
-                      </a:endParaRPr>
-                    </a:p>
-                  </a:txBody>
-                  <a:tcPr marL="7937" marR="7937" marT="7937" anchor="ctr" anchorCtr="0">
-                    <a:solidFill>
-                      <a:srgbClr val="E6F0F2"/>
-                    </a:solidFill>
-                  </a:tcPr>
-                </a:tc>
-                <a:tc>
-                  <a:txBody>
-                    <a:bodyPr/>
-                    <a:lstStyle/>
-                    <a:p>
-                      <a:pPr marL="7620" indent="0" algn="ctr" fontAlgn="t"/>
-                      <a:endParaRPr lang="en-US" altLang="zh-CN" sz="1400" b="0" i="0">
-                        <a:solidFill>
-                          <a:srgbClr val="000000"/>
-                        </a:solidFill>
-                        <a:latin typeface="微软雅黑" panose="020B0503020204020204" charset="-122"/>
-                        <a:ea typeface="微软雅黑" panose="020B0503020204020204" charset="-122"/>
-                      </a:endParaRPr>
-                    </a:p>
-                  </a:txBody>
-                  <a:tcPr marL="7937" marR="7937" marT="7937" anchor="ctr" anchorCtr="0">
-                    <a:solidFill>
-                      <a:srgbClr val="E6F0F2"/>
-                    </a:solidFill>
-                  </a:tcPr>
-                </a:tc>
-                <a:tc>
-                  <a:txBody>
-                    <a:bodyPr/>
-                    <a:lstStyle/>
-                    <a:p>
-                      <a:pPr marL="7620" indent="0" algn="ctr" fontAlgn="t"/>
-                      <a:endParaRPr lang="en-US" altLang="zh-CN" sz="1400" b="0" i="0">
-                        <a:solidFill>
-                          <a:srgbClr val="000000"/>
-                        </a:solidFill>
-                        <a:latin typeface="微软雅黑" panose="020B0503020204020204" charset="-122"/>
-                        <a:ea typeface="微软雅黑" panose="020B0503020204020204" charset="-122"/>
-                      </a:endParaRPr>
-                    </a:p>
-                  </a:txBody>
-                  <a:tcPr marL="7937" marR="7937" marT="7937" anchor="ctr" anchorCtr="0">
-                    <a:solidFill>
-                      <a:srgbClr val="E6F0F2"/>
-                    </a:solidFill>
-                  </a:tcPr>
-                </a:tc>
-                <a:tc>
-                  <a:txBody>
-                    <a:bodyPr/>
-                    <a:lstStyle/>
-                    <a:p>
-                      <a:pPr marL="7620" indent="0" algn="ctr" fontAlgn="t"/>
-                      <a:endParaRPr lang="en-US" altLang="zh-CN" sz="1400" b="0" i="0">
-                        <a:solidFill>
-                          <a:srgbClr val="000000"/>
-                        </a:solidFill>
-                        <a:latin typeface="微软雅黑" panose="020B0503020204020204" charset="-122"/>
-                        <a:ea typeface="微软雅黑" panose="020B0503020204020204" charset="-122"/>
-                      </a:endParaRPr>
-                    </a:p>
-                  </a:txBody>
-                  <a:tcPr marL="7937" marR="7937" marT="7937" anchor="ctr" anchorCtr="0">
+                  <a:tcPr marL="0" marR="0" marT="0" marB="0" anchor="ctr" anchorCtr="0">
+                    <a:solidFill>
+                      <a:srgbClr val="E6F0F2"/>
+                    </a:solidFill>
+                  </a:tcPr>
+                </a:tc>
+                <a:tc>
+                  <a:txBody>
+                    <a:bodyPr/>
+                    <a:lstStyle/>
+                    <a:p>
+                      <a:pPr marL="7620" indent="0" algn="ctr" fontAlgn="t"/>
+                      <a:endParaRPr lang="en-US" altLang="zh-CN" sz="1400" b="0" i="0">
+                        <a:solidFill>
+                          <a:srgbClr val="000000"/>
+                        </a:solidFill>
+                        <a:latin typeface="微软雅黑" panose="020B0503020204020204" charset="-122"/>
+                        <a:ea typeface="微软雅黑" panose="020B0503020204020204" charset="-122"/>
+                      </a:endParaRPr>
+                    </a:p>
+                  </a:txBody>
+                  <a:tcPr marL="0" marR="0" marT="0" marB="0" anchor="ctr" anchorCtr="0">
+                    <a:solidFill>
+                      <a:srgbClr val="E6F0F2"/>
+                    </a:solidFill>
+                  </a:tcPr>
+                </a:tc>
+                <a:tc>
+                  <a:txBody>
+                    <a:bodyPr/>
+                    <a:lstStyle/>
+                    <a:p>
+                      <a:pPr marL="7620" indent="0" algn="ctr" fontAlgn="t"/>
+                      <a:endParaRPr lang="en-US" altLang="zh-CN" sz="1400" b="0" i="0">
+                        <a:solidFill>
+                          <a:srgbClr val="000000"/>
+                        </a:solidFill>
+                        <a:latin typeface="微软雅黑" panose="020B0503020204020204" charset="-122"/>
+                        <a:ea typeface="微软雅黑" panose="020B0503020204020204" charset="-122"/>
+                      </a:endParaRPr>
+                    </a:p>
+                  </a:txBody>
+                  <a:tcPr marL="0" marR="0" marT="0" marB="0" anchor="ctr" anchorCtr="0">
+                    <a:solidFill>
+                      <a:srgbClr val="E6F0F2"/>
+                    </a:solidFill>
+                  </a:tcPr>
+                </a:tc>
+                <a:tc>
+                  <a:txBody>
+                    <a:bodyPr/>
+                    <a:lstStyle/>
+                    <a:p>
+                      <a:pPr marL="7620" indent="0" algn="ctr" fontAlgn="t"/>
+                      <a:endParaRPr lang="en-US" altLang="zh-CN" sz="1400" b="0" i="0">
+                        <a:solidFill>
+                          <a:srgbClr val="000000"/>
+                        </a:solidFill>
+                        <a:latin typeface="微软雅黑" panose="020B0503020204020204" charset="-122"/>
+                        <a:ea typeface="微软雅黑" panose="020B0503020204020204" charset="-122"/>
+                      </a:endParaRPr>
+                    </a:p>
+                  </a:txBody>
+                  <a:tcPr marL="0" marR="0" marT="0" marB="0" anchor="ctr" anchorCtr="0">
+                    <a:solidFill>
+                      <a:srgbClr val="E6F0F2"/>
+                    </a:solidFill>
+                  </a:tcPr>
+                </a:tc>
+                <a:tc>
+                  <a:txBody>
+                    <a:bodyPr/>
+                    <a:lstStyle/>
+                    <a:p>
+                      <a:pPr marL="7620" indent="0" algn="ctr" fontAlgn="t"/>
+                      <a:endParaRPr lang="en-US" altLang="zh-CN" sz="1400" b="0" i="0">
+                        <a:solidFill>
+                          <a:srgbClr val="000000"/>
+                        </a:solidFill>
+                        <a:latin typeface="微软雅黑" panose="020B0503020204020204" charset="-122"/>
+                        <a:ea typeface="微软雅黑" panose="020B0503020204020204" charset="-122"/>
+                      </a:endParaRPr>
+                    </a:p>
+                  </a:txBody>
+                  <a:tcPr marL="0" marR="0" marT="0" marB="0" anchor="ctr" anchorCtr="0">
+                    <a:solidFill>
+                      <a:srgbClr val="E6F0F2"/>
+                    </a:solidFill>
+                  </a:tcPr>
+                </a:tc>
+                <a:tc>
+                  <a:txBody>
+                    <a:bodyPr/>
+                    <a:lstStyle/>
+                    <a:p>
+                      <a:pPr marL="7620" indent="0" algn="ctr" fontAlgn="t"/>
+                      <a:endParaRPr lang="en-US" altLang="zh-CN" sz="1400" b="0" i="0">
+                        <a:solidFill>
+                          <a:srgbClr val="000000"/>
+                        </a:solidFill>
+                        <a:latin typeface="微软雅黑" panose="020B0503020204020204" charset="-122"/>
+                        <a:ea typeface="微软雅黑" panose="020B0503020204020204" charset="-122"/>
+                      </a:endParaRPr>
+                    </a:p>
+                  </a:txBody>
+                  <a:tcPr marL="0" marR="0" marT="0" marB="0" anchor="ctr" anchorCtr="0">
                     <a:solidFill>
                       <a:srgbClr val="E6F0F2"/>
                     </a:solidFill>
@@ -2645,7 +2645,7 @@
                       </a:endParaRPr>
                     </a:p>
                   </a:txBody>
-                  <a:tcPr marL="7937" marR="7937" marT="7937" anchor="ctr" anchorCtr="0">
+                  <a:tcPr marL="0" marR="0" marT="0" marB="0" anchor="ctr" anchorCtr="0">
                     <a:solidFill>
                       <a:srgbClr val="E6F0F2"/>
                     </a:solidFill>
@@ -2674,7 +2674,7 @@
                       </a:endParaRPr>
                     </a:p>
                   </a:txBody>
-                  <a:tcPr marL="7937" marR="7937" marT="7937" anchor="ctr" anchorCtr="0">
+                  <a:tcPr marL="0" marR="0" marT="0" marB="0" anchor="ctr" anchorCtr="0">
                     <a:solidFill>
                       <a:srgbClr val="E6F0F2"/>
                     </a:solidFill>
@@ -2696,7 +2696,7 @@
                       </a:endParaRPr>
                     </a:p>
                   </a:txBody>
-                  <a:tcPr marL="7937" marR="7937" marT="7937" anchor="ctr" anchorCtr="0">
+                  <a:tcPr marL="0" marR="0" marT="0" marB="0" anchor="ctr" anchorCtr="0">
                     <a:solidFill>
                       <a:srgbClr val="E6F0F2"/>
                     </a:solidFill>
@@ -2718,7 +2718,7 @@
                       </a:endParaRPr>
                     </a:p>
                   </a:txBody>
-                  <a:tcPr marL="7937" marR="7937" marT="7937" anchor="ctr" anchorCtr="0">
+                  <a:tcPr marL="0" marR="0" marT="0" marB="0" anchor="ctr" anchorCtr="0">
                     <a:solidFill>
                       <a:srgbClr val="E6F0F2"/>
                     </a:solidFill>
@@ -2740,7 +2740,7 @@
                       </a:endParaRPr>
                     </a:p>
                   </a:txBody>
-                  <a:tcPr marL="7937" marR="7937" marT="7937" anchor="ctr" anchorCtr="0">
+                  <a:tcPr marL="0" marR="0" marT="0" marB="0" anchor="ctr" anchorCtr="0">
                     <a:solidFill>
                       <a:srgbClr val="E6F0F2"/>
                     </a:solidFill>
@@ -2763,133 +2763,133 @@
                       </a:endParaRPr>
                     </a:p>
                   </a:txBody>
-                  <a:tcPr marL="7937" marR="7937" marT="7937" anchor="ctr" anchorCtr="0">
-                    <a:solidFill>
-                      <a:srgbClr val="E6F0F2"/>
-                    </a:solidFill>
-                  </a:tcPr>
-                </a:tc>
-                <a:tc>
-                  <a:txBody>
-                    <a:bodyPr/>
-                    <a:lstStyle/>
-                    <a:p>
-                      <a:pPr marL="7620" indent="0" algn="ctr" fontAlgn="ctr"/>
-                      <a:endParaRPr lang="en-US" altLang="zh-CN" sz="1400" b="0" i="0">
-                        <a:solidFill>
-                          <a:srgbClr val="000000"/>
-                        </a:solidFill>
-                        <a:latin typeface="微软雅黑" panose="020B0503020204020204" charset="-122"/>
-                        <a:ea typeface="微软雅黑" panose="020B0503020204020204" charset="-122"/>
-                      </a:endParaRPr>
-                    </a:p>
-                  </a:txBody>
-                  <a:tcPr marL="7937" marR="7937" marT="7937" anchor="ctr" anchorCtr="0">
-                    <a:solidFill>
-                      <a:srgbClr val="E6F0F2"/>
-                    </a:solidFill>
-                  </a:tcPr>
-                </a:tc>
-                <a:tc>
-                  <a:txBody>
-                    <a:bodyPr/>
-                    <a:lstStyle/>
-                    <a:p>
-                      <a:pPr marL="7620" indent="0" algn="ctr" fontAlgn="t"/>
-                      <a:endParaRPr lang="en-US" altLang="zh-CN" sz="1400" b="0" i="0">
-                        <a:solidFill>
-                          <a:srgbClr val="000000"/>
-                        </a:solidFill>
-                        <a:latin typeface="微软雅黑" panose="020B0503020204020204" charset="-122"/>
-                        <a:ea typeface="微软雅黑" panose="020B0503020204020204" charset="-122"/>
-                      </a:endParaRPr>
-                    </a:p>
-                  </a:txBody>
-                  <a:tcPr marL="7937" marR="7937" marT="7937" anchor="ctr" anchorCtr="0">
-                    <a:solidFill>
-                      <a:srgbClr val="E6F0F2"/>
-                    </a:solidFill>
-                  </a:tcPr>
-                </a:tc>
-                <a:tc>
-                  <a:txBody>
-                    <a:bodyPr/>
-                    <a:lstStyle/>
-                    <a:p>
-                      <a:pPr marL="7620" indent="0" algn="ctr" fontAlgn="t"/>
-                      <a:endParaRPr lang="en-US" altLang="zh-CN" sz="1400" b="0" i="0">
-                        <a:solidFill>
-                          <a:srgbClr val="000000"/>
-                        </a:solidFill>
-                        <a:latin typeface="微软雅黑" panose="020B0503020204020204" charset="-122"/>
-                        <a:ea typeface="微软雅黑" panose="020B0503020204020204" charset="-122"/>
-                      </a:endParaRPr>
-                    </a:p>
-                  </a:txBody>
-                  <a:tcPr marL="7937" marR="7937" marT="7937" anchor="ctr" anchorCtr="0">
-                    <a:solidFill>
-                      <a:srgbClr val="E6F0F2"/>
-                    </a:solidFill>
-                  </a:tcPr>
-                </a:tc>
-                <a:tc>
-                  <a:txBody>
-                    <a:bodyPr/>
-                    <a:lstStyle/>
-                    <a:p>
-                      <a:pPr marL="7620" indent="0" algn="ctr" fontAlgn="t"/>
-                      <a:endParaRPr lang="en-US" altLang="zh-CN" sz="1400" b="0" i="0">
-                        <a:solidFill>
-                          <a:srgbClr val="000000"/>
-                        </a:solidFill>
-                        <a:latin typeface="微软雅黑" panose="020B0503020204020204" charset="-122"/>
-                        <a:ea typeface="微软雅黑" panose="020B0503020204020204" charset="-122"/>
-                      </a:endParaRPr>
-                    </a:p>
-                  </a:txBody>
-                  <a:tcPr marL="7937" marR="7937" marT="7937" anchor="ctr" anchorCtr="0">
-                    <a:solidFill>
-                      <a:srgbClr val="E6F0F2"/>
-                    </a:solidFill>
-                  </a:tcPr>
-                </a:tc>
-                <a:tc>
-                  <a:txBody>
-                    <a:bodyPr/>
-                    <a:lstStyle/>
-                    <a:p>
-                      <a:pPr marL="7620" indent="0" algn="ctr" fontAlgn="t"/>
-                      <a:endParaRPr lang="en-US" altLang="zh-CN" sz="1400" b="0" i="0">
-                        <a:solidFill>
-                          <a:srgbClr val="000000"/>
-                        </a:solidFill>
-                        <a:latin typeface="微软雅黑" panose="020B0503020204020204" charset="-122"/>
-                        <a:ea typeface="微软雅黑" panose="020B0503020204020204" charset="-122"/>
-                      </a:endParaRPr>
-                    </a:p>
-                  </a:txBody>
-                  <a:tcPr marL="7937" marR="7937" marT="7937" anchor="ctr" anchorCtr="0">
-                    <a:solidFill>
-                      <a:srgbClr val="E6F0F2"/>
-                    </a:solidFill>
-                  </a:tcPr>
-                </a:tc>
-                <a:tc>
-                  <a:txBody>
-                    <a:bodyPr/>
-                    <a:lstStyle/>
-                    <a:p>
-                      <a:pPr marL="7620" indent="0" algn="ctr" fontAlgn="t"/>
-                      <a:endParaRPr lang="en-US" altLang="zh-CN" sz="1400" b="0" i="0">
-                        <a:solidFill>
-                          <a:srgbClr val="000000"/>
-                        </a:solidFill>
-                        <a:latin typeface="微软雅黑" panose="020B0503020204020204" charset="-122"/>
-                        <a:ea typeface="微软雅黑" panose="020B0503020204020204" charset="-122"/>
-                      </a:endParaRPr>
-                    </a:p>
-                  </a:txBody>
-                  <a:tcPr marL="7937" marR="7937" marT="7937" anchor="ctr" anchorCtr="0">
+                  <a:tcPr marL="0" marR="0" marT="0" marB="0" anchor="ctr" anchorCtr="0">
+                    <a:solidFill>
+                      <a:srgbClr val="E6F0F2"/>
+                    </a:solidFill>
+                  </a:tcPr>
+                </a:tc>
+                <a:tc>
+                  <a:txBody>
+                    <a:bodyPr/>
+                    <a:lstStyle/>
+                    <a:p>
+                      <a:pPr marL="7620" indent="0" algn="ctr" fontAlgn="ctr"/>
+                      <a:endParaRPr lang="en-US" altLang="zh-CN" sz="1400" b="0" i="0">
+                        <a:solidFill>
+                          <a:srgbClr val="000000"/>
+                        </a:solidFill>
+                        <a:latin typeface="微软雅黑" panose="020B0503020204020204" charset="-122"/>
+                        <a:ea typeface="微软雅黑" panose="020B0503020204020204" charset="-122"/>
+                      </a:endParaRPr>
+                    </a:p>
+                  </a:txBody>
+                  <a:tcPr marL="0" marR="0" marT="0" marB="0" anchor="ctr" anchorCtr="0">
+                    <a:solidFill>
+                      <a:srgbClr val="E6F0F2"/>
+                    </a:solidFill>
+                  </a:tcPr>
+                </a:tc>
+                <a:tc>
+                  <a:txBody>
+                    <a:bodyPr/>
+                    <a:lstStyle/>
+                    <a:p>
+                      <a:pPr marL="7620" indent="0" algn="ctr" fontAlgn="t"/>
+                      <a:endParaRPr lang="en-US" altLang="zh-CN" sz="1400" b="0" i="0">
+                        <a:solidFill>
+                          <a:srgbClr val="000000"/>
+                        </a:solidFill>
+                        <a:latin typeface="微软雅黑" panose="020B0503020204020204" charset="-122"/>
+                        <a:ea typeface="微软雅黑" panose="020B0503020204020204" charset="-122"/>
+                      </a:endParaRPr>
+                    </a:p>
+                  </a:txBody>
+                  <a:tcPr marL="0" marR="0" marT="0" marB="0" anchor="ctr" anchorCtr="0">
+                    <a:solidFill>
+                      <a:srgbClr val="E6F0F2"/>
+                    </a:solidFill>
+                  </a:tcPr>
+                </a:tc>
+                <a:tc>
+                  <a:txBody>
+                    <a:bodyPr/>
+                    <a:lstStyle/>
+                    <a:p>
+                      <a:pPr marL="7620" indent="0" algn="ctr" fontAlgn="t"/>
+                      <a:endParaRPr lang="en-US" altLang="zh-CN" sz="1400" b="0" i="0">
+                        <a:solidFill>
+                          <a:srgbClr val="000000"/>
+                        </a:solidFill>
+                        <a:latin typeface="微软雅黑" panose="020B0503020204020204" charset="-122"/>
+                        <a:ea typeface="微软雅黑" panose="020B0503020204020204" charset="-122"/>
+                      </a:endParaRPr>
+                    </a:p>
+                  </a:txBody>
+                  <a:tcPr marL="0" marR="0" marT="0" marB="0" anchor="ctr" anchorCtr="0">
+                    <a:solidFill>
+                      <a:srgbClr val="E6F0F2"/>
+                    </a:solidFill>
+                  </a:tcPr>
+                </a:tc>
+                <a:tc>
+                  <a:txBody>
+                    <a:bodyPr/>
+                    <a:lstStyle/>
+                    <a:p>
+                      <a:pPr marL="7620" indent="0" algn="ctr" fontAlgn="t"/>
+                      <a:endParaRPr lang="en-US" altLang="zh-CN" sz="1400" b="0" i="0">
+                        <a:solidFill>
+                          <a:srgbClr val="000000"/>
+                        </a:solidFill>
+                        <a:latin typeface="微软雅黑" panose="020B0503020204020204" charset="-122"/>
+                        <a:ea typeface="微软雅黑" panose="020B0503020204020204" charset="-122"/>
+                      </a:endParaRPr>
+                    </a:p>
+                  </a:txBody>
+                  <a:tcPr marL="0" marR="0" marT="0" marB="0" anchor="ctr" anchorCtr="0">
+                    <a:solidFill>
+                      <a:srgbClr val="E6F0F2"/>
+                    </a:solidFill>
+                  </a:tcPr>
+                </a:tc>
+                <a:tc>
+                  <a:txBody>
+                    <a:bodyPr/>
+                    <a:lstStyle/>
+                    <a:p>
+                      <a:pPr marL="7620" indent="0" algn="ctr" fontAlgn="t"/>
+                      <a:endParaRPr lang="en-US" altLang="zh-CN" sz="1400" b="0" i="0">
+                        <a:solidFill>
+                          <a:srgbClr val="000000"/>
+                        </a:solidFill>
+                        <a:latin typeface="微软雅黑" panose="020B0503020204020204" charset="-122"/>
+                        <a:ea typeface="微软雅黑" panose="020B0503020204020204" charset="-122"/>
+                      </a:endParaRPr>
+                    </a:p>
+                  </a:txBody>
+                  <a:tcPr marL="0" marR="0" marT="0" marB="0" anchor="ctr" anchorCtr="0">
+                    <a:solidFill>
+                      <a:srgbClr val="E6F0F2"/>
+                    </a:solidFill>
+                  </a:tcPr>
+                </a:tc>
+                <a:tc>
+                  <a:txBody>
+                    <a:bodyPr/>
+                    <a:lstStyle/>
+                    <a:p>
+                      <a:pPr marL="7620" indent="0" algn="ctr" fontAlgn="t"/>
+                      <a:endParaRPr lang="en-US" altLang="zh-CN" sz="1400" b="0" i="0">
+                        <a:solidFill>
+                          <a:srgbClr val="000000"/>
+                        </a:solidFill>
+                        <a:latin typeface="微软雅黑" panose="020B0503020204020204" charset="-122"/>
+                        <a:ea typeface="微软雅黑" panose="020B0503020204020204" charset="-122"/>
+                      </a:endParaRPr>
+                    </a:p>
+                  </a:txBody>
+                  <a:tcPr marL="0" marR="0" marT="0" marB="0" anchor="ctr" anchorCtr="0">
                     <a:solidFill>
                       <a:srgbClr val="E6F0F2"/>
                     </a:solidFill>
@@ -2915,112 +2915,112 @@
                       </a:endParaRPr>
                     </a:p>
                   </a:txBody>
-                  <a:tcPr marL="7937" marR="7937" marT="7937" anchor="ctr" anchorCtr="0">
-                    <a:solidFill>
-                      <a:srgbClr val="E6F0F2"/>
-                    </a:solidFill>
-                  </a:tcPr>
-                </a:tc>
-                <a:tc>
-                  <a:txBody>
-                    <a:bodyPr/>
-                    <a:lstStyle/>
-                    <a:p>
-                      <a:pPr marL="7620" indent="0" algn="ctr" fontAlgn="t"/>
-                      <a:endParaRPr lang="en-US" altLang="zh-CN" sz="1400" b="0" i="0">
-                        <a:solidFill>
-                          <a:srgbClr val="000000"/>
-                        </a:solidFill>
-                        <a:latin typeface="微软雅黑" panose="020B0503020204020204" charset="-122"/>
-                        <a:ea typeface="微软雅黑" panose="020B0503020204020204" charset="-122"/>
-                      </a:endParaRPr>
-                    </a:p>
-                  </a:txBody>
-                  <a:tcPr marL="7937" marR="7937" marT="7937" anchor="ctr" anchorCtr="0">
-                    <a:solidFill>
-                      <a:srgbClr val="E6F0F2"/>
-                    </a:solidFill>
-                  </a:tcPr>
-                </a:tc>
-                <a:tc>
-                  <a:txBody>
-                    <a:bodyPr/>
-                    <a:lstStyle/>
-                    <a:p>
-                      <a:pPr marL="7620" indent="0" algn="ctr" fontAlgn="t"/>
-                      <a:endParaRPr lang="en-US" altLang="zh-CN" sz="1400" b="0" i="0">
-                        <a:solidFill>
-                          <a:srgbClr val="000000"/>
-                        </a:solidFill>
-                        <a:latin typeface="微软雅黑" panose="020B0503020204020204" charset="-122"/>
-                        <a:ea typeface="微软雅黑" panose="020B0503020204020204" charset="-122"/>
-                      </a:endParaRPr>
-                    </a:p>
-                  </a:txBody>
-                  <a:tcPr marL="7937" marR="7937" marT="7937" anchor="ctr" anchorCtr="0">
-                    <a:solidFill>
-                      <a:srgbClr val="E6F0F2"/>
-                    </a:solidFill>
-                  </a:tcPr>
-                </a:tc>
-                <a:tc>
-                  <a:txBody>
-                    <a:bodyPr/>
-                    <a:lstStyle/>
-                    <a:p>
-                      <a:pPr marL="7620" indent="0" algn="ctr" fontAlgn="t"/>
-                      <a:endParaRPr lang="en-US" altLang="zh-CN" sz="1400" b="0" i="0">
-                        <a:solidFill>
-                          <a:srgbClr val="000000"/>
-                        </a:solidFill>
-                        <a:latin typeface="微软雅黑" panose="020B0503020204020204" charset="-122"/>
-                        <a:ea typeface="微软雅黑" panose="020B0503020204020204" charset="-122"/>
-                      </a:endParaRPr>
-                    </a:p>
-                  </a:txBody>
-                  <a:tcPr marL="7937" marR="7937" marT="7937" anchor="ctr" anchorCtr="0">
-                    <a:solidFill>
-                      <a:srgbClr val="E6F0F2"/>
-                    </a:solidFill>
-                  </a:tcPr>
-                </a:tc>
-                <a:tc>
-                  <a:txBody>
-                    <a:bodyPr/>
-                    <a:lstStyle/>
-                    <a:p>
-                      <a:pPr marL="7620" indent="0" algn="ctr" fontAlgn="t"/>
-                      <a:endParaRPr lang="en-US" altLang="zh-CN" sz="1400" b="0" i="0">
-                        <a:solidFill>
-                          <a:srgbClr val="000000"/>
-                        </a:solidFill>
-                        <a:latin typeface="微软雅黑" panose="020B0503020204020204" charset="-122"/>
-                        <a:ea typeface="微软雅黑" panose="020B0503020204020204" charset="-122"/>
-                      </a:endParaRPr>
-                    </a:p>
-                  </a:txBody>
-                  <a:tcPr marL="7937" marR="7937" marT="7937" anchor="ctr" anchorCtr="0">
-                    <a:solidFill>
-                      <a:srgbClr val="E6F0F2"/>
-                    </a:solidFill>
-                  </a:tcPr>
-                </a:tc>
-                <a:tc>
-                  <a:txBody>
-                    <a:bodyPr/>
-                    <a:lstStyle/>
-                    <a:p>
-                      <a:pPr marL="7620" indent="0" algn="ctr" fontAlgn="t"/>
-                      <a:endParaRPr lang="en-US" altLang="zh-CN" sz="1400" b="0" i="0">
-                        <a:solidFill>
-                          <a:srgbClr val="000000"/>
-                        </a:solidFill>
-                        <a:latin typeface="微软雅黑" panose="020B0503020204020204" charset="-122"/>
-                        <a:ea typeface="微软雅黑" panose="020B0503020204020204" charset="-122"/>
-                      </a:endParaRPr>
-                    </a:p>
-                  </a:txBody>
-                  <a:tcPr marL="7937" marR="7937" marT="7937" anchor="ctr" anchorCtr="0">
+                  <a:tcPr marL="0" marR="0" marT="0" marB="0" anchor="ctr" anchorCtr="0">
+                    <a:solidFill>
+                      <a:srgbClr val="E6F0F2"/>
+                    </a:solidFill>
+                  </a:tcPr>
+                </a:tc>
+                <a:tc>
+                  <a:txBody>
+                    <a:bodyPr/>
+                    <a:lstStyle/>
+                    <a:p>
+                      <a:pPr marL="7620" indent="0" algn="ctr" fontAlgn="t"/>
+                      <a:endParaRPr lang="en-US" altLang="zh-CN" sz="1400" b="0" i="0">
+                        <a:solidFill>
+                          <a:srgbClr val="000000"/>
+                        </a:solidFill>
+                        <a:latin typeface="微软雅黑" panose="020B0503020204020204" charset="-122"/>
+                        <a:ea typeface="微软雅黑" panose="020B0503020204020204" charset="-122"/>
+                      </a:endParaRPr>
+                    </a:p>
+                  </a:txBody>
+                  <a:tcPr marL="0" marR="0" marT="0" marB="0" anchor="ctr" anchorCtr="0">
+                    <a:solidFill>
+                      <a:srgbClr val="E6F0F2"/>
+                    </a:solidFill>
+                  </a:tcPr>
+                </a:tc>
+                <a:tc>
+                  <a:txBody>
+                    <a:bodyPr/>
+                    <a:lstStyle/>
+                    <a:p>
+                      <a:pPr marL="7620" indent="0" algn="ctr" fontAlgn="t"/>
+                      <a:endParaRPr lang="en-US" altLang="zh-CN" sz="1400" b="0" i="0">
+                        <a:solidFill>
+                          <a:srgbClr val="000000"/>
+                        </a:solidFill>
+                        <a:latin typeface="微软雅黑" panose="020B0503020204020204" charset="-122"/>
+                        <a:ea typeface="微软雅黑" panose="020B0503020204020204" charset="-122"/>
+                      </a:endParaRPr>
+                    </a:p>
+                  </a:txBody>
+                  <a:tcPr marL="0" marR="0" marT="0" marB="0" anchor="ctr" anchorCtr="0">
+                    <a:solidFill>
+                      <a:srgbClr val="E6F0F2"/>
+                    </a:solidFill>
+                  </a:tcPr>
+                </a:tc>
+                <a:tc>
+                  <a:txBody>
+                    <a:bodyPr/>
+                    <a:lstStyle/>
+                    <a:p>
+                      <a:pPr marL="7620" indent="0" algn="ctr" fontAlgn="t"/>
+                      <a:endParaRPr lang="en-US" altLang="zh-CN" sz="1400" b="0" i="0">
+                        <a:solidFill>
+                          <a:srgbClr val="000000"/>
+                        </a:solidFill>
+                        <a:latin typeface="微软雅黑" panose="020B0503020204020204" charset="-122"/>
+                        <a:ea typeface="微软雅黑" panose="020B0503020204020204" charset="-122"/>
+                      </a:endParaRPr>
+                    </a:p>
+                  </a:txBody>
+                  <a:tcPr marL="0" marR="0" marT="0" marB="0" anchor="ctr" anchorCtr="0">
+                    <a:solidFill>
+                      <a:srgbClr val="E6F0F2"/>
+                    </a:solidFill>
+                  </a:tcPr>
+                </a:tc>
+                <a:tc>
+                  <a:txBody>
+                    <a:bodyPr/>
+                    <a:lstStyle/>
+                    <a:p>
+                      <a:pPr marL="7620" indent="0" algn="ctr" fontAlgn="t"/>
+                      <a:endParaRPr lang="en-US" altLang="zh-CN" sz="1400" b="0" i="0">
+                        <a:solidFill>
+                          <a:srgbClr val="000000"/>
+                        </a:solidFill>
+                        <a:latin typeface="微软雅黑" panose="020B0503020204020204" charset="-122"/>
+                        <a:ea typeface="微软雅黑" panose="020B0503020204020204" charset="-122"/>
+                      </a:endParaRPr>
+                    </a:p>
+                  </a:txBody>
+                  <a:tcPr marL="0" marR="0" marT="0" marB="0" anchor="ctr" anchorCtr="0">
+                    <a:solidFill>
+                      <a:srgbClr val="E6F0F2"/>
+                    </a:solidFill>
+                  </a:tcPr>
+                </a:tc>
+                <a:tc>
+                  <a:txBody>
+                    <a:bodyPr/>
+                    <a:lstStyle/>
+                    <a:p>
+                      <a:pPr marL="7620" indent="0" algn="ctr" fontAlgn="t"/>
+                      <a:endParaRPr lang="en-US" altLang="zh-CN" sz="1400" b="0" i="0">
+                        <a:solidFill>
+                          <a:srgbClr val="000000"/>
+                        </a:solidFill>
+                        <a:latin typeface="微软雅黑" panose="020B0503020204020204" charset="-122"/>
+                        <a:ea typeface="微软雅黑" panose="020B0503020204020204" charset="-122"/>
+                      </a:endParaRPr>
+                    </a:p>
+                  </a:txBody>
+                  <a:tcPr marL="0" marR="0" marT="0" marB="0" anchor="ctr" anchorCtr="0">
                     <a:solidFill>
                       <a:srgbClr val="E6F0F2"/>
                     </a:solidFill>
@@ -3046,112 +3046,112 @@
                       </a:endParaRPr>
                     </a:p>
                   </a:txBody>
-                  <a:tcPr marL="7937" marR="7937" marT="7937" anchor="ctr" anchorCtr="0">
-                    <a:solidFill>
-                      <a:srgbClr val="E6F0F2"/>
-                    </a:solidFill>
-                  </a:tcPr>
-                </a:tc>
-                <a:tc>
-                  <a:txBody>
-                    <a:bodyPr/>
-                    <a:lstStyle/>
-                    <a:p>
-                      <a:pPr marL="7620" indent="0" algn="ctr" fontAlgn="t"/>
-                      <a:endParaRPr lang="en-US" altLang="zh-CN" sz="1400" b="0" i="0">
-                        <a:solidFill>
-                          <a:srgbClr val="000000"/>
-                        </a:solidFill>
-                        <a:latin typeface="微软雅黑" panose="020B0503020204020204" charset="-122"/>
-                        <a:ea typeface="微软雅黑" panose="020B0503020204020204" charset="-122"/>
-                      </a:endParaRPr>
-                    </a:p>
-                  </a:txBody>
-                  <a:tcPr marL="7937" marR="7937" marT="7937" anchor="ctr" anchorCtr="0">
-                    <a:solidFill>
-                      <a:srgbClr val="E6F0F2"/>
-                    </a:solidFill>
-                  </a:tcPr>
-                </a:tc>
-                <a:tc>
-                  <a:txBody>
-                    <a:bodyPr/>
-                    <a:lstStyle/>
-                    <a:p>
-                      <a:pPr marL="7620" indent="0" algn="ctr" fontAlgn="t"/>
-                      <a:endParaRPr lang="en-US" altLang="zh-CN" sz="1400" b="0" i="0">
-                        <a:solidFill>
-                          <a:srgbClr val="000000"/>
-                        </a:solidFill>
-                        <a:latin typeface="微软雅黑" panose="020B0503020204020204" charset="-122"/>
-                        <a:ea typeface="微软雅黑" panose="020B0503020204020204" charset="-122"/>
-                      </a:endParaRPr>
-                    </a:p>
-                  </a:txBody>
-                  <a:tcPr marL="7937" marR="7937" marT="7937" anchor="ctr" anchorCtr="0">
-                    <a:solidFill>
-                      <a:srgbClr val="E6F0F2"/>
-                    </a:solidFill>
-                  </a:tcPr>
-                </a:tc>
-                <a:tc>
-                  <a:txBody>
-                    <a:bodyPr/>
-                    <a:lstStyle/>
-                    <a:p>
-                      <a:pPr marL="7620" indent="0" algn="ctr" fontAlgn="t"/>
-                      <a:endParaRPr lang="en-US" altLang="zh-CN" sz="1400" b="0" i="0">
-                        <a:solidFill>
-                          <a:srgbClr val="000000"/>
-                        </a:solidFill>
-                        <a:latin typeface="微软雅黑" panose="020B0503020204020204" charset="-122"/>
-                        <a:ea typeface="微软雅黑" panose="020B0503020204020204" charset="-122"/>
-                      </a:endParaRPr>
-                    </a:p>
-                  </a:txBody>
-                  <a:tcPr marL="7937" marR="7937" marT="7937" anchor="ctr" anchorCtr="0">
-                    <a:solidFill>
-                      <a:srgbClr val="E6F0F2"/>
-                    </a:solidFill>
-                  </a:tcPr>
-                </a:tc>
-                <a:tc>
-                  <a:txBody>
-                    <a:bodyPr/>
-                    <a:lstStyle/>
-                    <a:p>
-                      <a:pPr marL="7620" indent="0" algn="ctr" fontAlgn="t"/>
-                      <a:endParaRPr lang="en-US" altLang="zh-CN" sz="1400" b="0" i="0">
-                        <a:solidFill>
-                          <a:srgbClr val="000000"/>
-                        </a:solidFill>
-                        <a:latin typeface="微软雅黑" panose="020B0503020204020204" charset="-122"/>
-                        <a:ea typeface="微软雅黑" panose="020B0503020204020204" charset="-122"/>
-                      </a:endParaRPr>
-                    </a:p>
-                  </a:txBody>
-                  <a:tcPr marL="7937" marR="7937" marT="7937" anchor="ctr" anchorCtr="0">
-                    <a:solidFill>
-                      <a:srgbClr val="E6F0F2"/>
-                    </a:solidFill>
-                  </a:tcPr>
-                </a:tc>
-                <a:tc>
-                  <a:txBody>
-                    <a:bodyPr/>
-                    <a:lstStyle/>
-                    <a:p>
-                      <a:pPr marL="7620" indent="0" algn="ctr" fontAlgn="t"/>
-                      <a:endParaRPr lang="en-US" altLang="zh-CN" sz="1400" b="0" i="0">
-                        <a:solidFill>
-                          <a:srgbClr val="000000"/>
-                        </a:solidFill>
-                        <a:latin typeface="微软雅黑" panose="020B0503020204020204" charset="-122"/>
-                        <a:ea typeface="微软雅黑" panose="020B0503020204020204" charset="-122"/>
-                      </a:endParaRPr>
-                    </a:p>
-                  </a:txBody>
-                  <a:tcPr marL="7937" marR="7937" marT="7937" anchor="ctr" anchorCtr="0">
+                  <a:tcPr marL="0" marR="0" marT="0" marB="0" anchor="ctr" anchorCtr="0">
+                    <a:solidFill>
+                      <a:srgbClr val="E6F0F2"/>
+                    </a:solidFill>
+                  </a:tcPr>
+                </a:tc>
+                <a:tc>
+                  <a:txBody>
+                    <a:bodyPr/>
+                    <a:lstStyle/>
+                    <a:p>
+                      <a:pPr marL="7620" indent="0" algn="ctr" fontAlgn="t"/>
+                      <a:endParaRPr lang="en-US" altLang="zh-CN" sz="1400" b="0" i="0">
+                        <a:solidFill>
+                          <a:srgbClr val="000000"/>
+                        </a:solidFill>
+                        <a:latin typeface="微软雅黑" panose="020B0503020204020204" charset="-122"/>
+                        <a:ea typeface="微软雅黑" panose="020B0503020204020204" charset="-122"/>
+                      </a:endParaRPr>
+                    </a:p>
+                  </a:txBody>
+                  <a:tcPr marL="0" marR="0" marT="0" marB="0" anchor="ctr" anchorCtr="0">
+                    <a:solidFill>
+                      <a:srgbClr val="E6F0F2"/>
+                    </a:solidFill>
+                  </a:tcPr>
+                </a:tc>
+                <a:tc>
+                  <a:txBody>
+                    <a:bodyPr/>
+                    <a:lstStyle/>
+                    <a:p>
+                      <a:pPr marL="7620" indent="0" algn="ctr" fontAlgn="t"/>
+                      <a:endParaRPr lang="en-US" altLang="zh-CN" sz="1400" b="0" i="0">
+                        <a:solidFill>
+                          <a:srgbClr val="000000"/>
+                        </a:solidFill>
+                        <a:latin typeface="微软雅黑" panose="020B0503020204020204" charset="-122"/>
+                        <a:ea typeface="微软雅黑" panose="020B0503020204020204" charset="-122"/>
+                      </a:endParaRPr>
+                    </a:p>
+                  </a:txBody>
+                  <a:tcPr marL="0" marR="0" marT="0" marB="0" anchor="ctr" anchorCtr="0">
+                    <a:solidFill>
+                      <a:srgbClr val="E6F0F2"/>
+                    </a:solidFill>
+                  </a:tcPr>
+                </a:tc>
+                <a:tc>
+                  <a:txBody>
+                    <a:bodyPr/>
+                    <a:lstStyle/>
+                    <a:p>
+                      <a:pPr marL="7620" indent="0" algn="ctr" fontAlgn="t"/>
+                      <a:endParaRPr lang="en-US" altLang="zh-CN" sz="1400" b="0" i="0">
+                        <a:solidFill>
+                          <a:srgbClr val="000000"/>
+                        </a:solidFill>
+                        <a:latin typeface="微软雅黑" panose="020B0503020204020204" charset="-122"/>
+                        <a:ea typeface="微软雅黑" panose="020B0503020204020204" charset="-122"/>
+                      </a:endParaRPr>
+                    </a:p>
+                  </a:txBody>
+                  <a:tcPr marL="0" marR="0" marT="0" marB="0" anchor="ctr" anchorCtr="0">
+                    <a:solidFill>
+                      <a:srgbClr val="E6F0F2"/>
+                    </a:solidFill>
+                  </a:tcPr>
+                </a:tc>
+                <a:tc>
+                  <a:txBody>
+                    <a:bodyPr/>
+                    <a:lstStyle/>
+                    <a:p>
+                      <a:pPr marL="7620" indent="0" algn="ctr" fontAlgn="t"/>
+                      <a:endParaRPr lang="en-US" altLang="zh-CN" sz="1400" b="0" i="0">
+                        <a:solidFill>
+                          <a:srgbClr val="000000"/>
+                        </a:solidFill>
+                        <a:latin typeface="微软雅黑" panose="020B0503020204020204" charset="-122"/>
+                        <a:ea typeface="微软雅黑" panose="020B0503020204020204" charset="-122"/>
+                      </a:endParaRPr>
+                    </a:p>
+                  </a:txBody>
+                  <a:tcPr marL="0" marR="0" marT="0" marB="0" anchor="ctr" anchorCtr="0">
+                    <a:solidFill>
+                      <a:srgbClr val="E6F0F2"/>
+                    </a:solidFill>
+                  </a:tcPr>
+                </a:tc>
+                <a:tc>
+                  <a:txBody>
+                    <a:bodyPr/>
+                    <a:lstStyle/>
+                    <a:p>
+                      <a:pPr marL="7620" indent="0" algn="ctr" fontAlgn="t"/>
+                      <a:endParaRPr lang="en-US" altLang="zh-CN" sz="1400" b="0" i="0">
+                        <a:solidFill>
+                          <a:srgbClr val="000000"/>
+                        </a:solidFill>
+                        <a:latin typeface="微软雅黑" panose="020B0503020204020204" charset="-122"/>
+                        <a:ea typeface="微软雅黑" panose="020B0503020204020204" charset="-122"/>
+                      </a:endParaRPr>
+                    </a:p>
+                  </a:txBody>
+                  <a:tcPr marL="0" marR="0" marT="0" marB="0" anchor="ctr" anchorCtr="0">
                     <a:solidFill>
                       <a:srgbClr val="E6F0F2"/>
                     </a:solidFill>
@@ -3211,7 +3211,7 @@
                       </a:endParaRPr>
                     </a:p>
                   </a:txBody>
-                  <a:tcPr marL="7937" marR="7937" marT="7937" anchor="ctr" anchorCtr="0">
+                  <a:tcPr marL="0" marR="0" marT="0" marB="0" anchor="ctr" anchorCtr="0">
                     <a:solidFill>
                       <a:srgbClr val="E6F0F2"/>
                     </a:solidFill>
@@ -3240,7 +3240,7 @@
                       </a:endParaRPr>
                     </a:p>
                   </a:txBody>
-                  <a:tcPr marL="7937" marR="7937" marT="7937" anchor="ctr" anchorCtr="0">
+                  <a:tcPr marL="0" marR="0" marT="0" marB="0" anchor="ctr" anchorCtr="0">
                     <a:solidFill>
                       <a:srgbClr val="E6F0F2"/>
                     </a:solidFill>
@@ -3262,7 +3262,7 @@
                       </a:endParaRPr>
                     </a:p>
                   </a:txBody>
-                  <a:tcPr marL="7937" marR="7937" marT="7937" anchor="ctr" anchorCtr="0">
+                  <a:tcPr marL="0" marR="0" marT="0" marB="0" anchor="ctr" anchorCtr="0">
                     <a:solidFill>
                       <a:srgbClr val="E6F0F2"/>
                     </a:solidFill>
@@ -3284,7 +3284,7 @@
                       </a:endParaRPr>
                     </a:p>
                   </a:txBody>
-                  <a:tcPr marL="7937" marR="7937" marT="7937" anchor="ctr" anchorCtr="0">
+                  <a:tcPr marL="0" marR="0" marT="0" marB="0" anchor="ctr" anchorCtr="0">
                     <a:solidFill>
                       <a:srgbClr val="E6F0F2"/>
                     </a:solidFill>
@@ -3306,7 +3306,7 @@
                       </a:endParaRPr>
                     </a:p>
                   </a:txBody>
-                  <a:tcPr marL="7937" marR="7937" marT="7937" anchor="ctr" anchorCtr="0">
+                  <a:tcPr marL="0" marR="0" marT="0" marB="0" anchor="ctr" anchorCtr="0">
                     <a:solidFill>
                       <a:srgbClr val="E6F0F2"/>
                     </a:solidFill>
@@ -3329,133 +3329,133 @@
                       </a:endParaRPr>
                     </a:p>
                   </a:txBody>
-                  <a:tcPr marL="7937" marR="7937" marT="7937" anchor="ctr" anchorCtr="0">
-                    <a:solidFill>
-                      <a:srgbClr val="E6F0F2"/>
-                    </a:solidFill>
-                  </a:tcPr>
-                </a:tc>
-                <a:tc>
-                  <a:txBody>
-                    <a:bodyPr/>
-                    <a:lstStyle/>
-                    <a:p>
-                      <a:pPr marL="7620" indent="0" algn="ctr" fontAlgn="ctr"/>
-                      <a:endParaRPr lang="en-US" altLang="zh-CN" sz="1400" b="0" i="0">
-                        <a:solidFill>
-                          <a:srgbClr val="000000"/>
-                        </a:solidFill>
-                        <a:latin typeface="微软雅黑" panose="020B0503020204020204" charset="-122"/>
-                        <a:ea typeface="微软雅黑" panose="020B0503020204020204" charset="-122"/>
-                      </a:endParaRPr>
-                    </a:p>
-                  </a:txBody>
-                  <a:tcPr marL="7937" marR="7937" marT="7937" anchor="ctr" anchorCtr="0">
-                    <a:solidFill>
-                      <a:srgbClr val="E6F0F2"/>
-                    </a:solidFill>
-                  </a:tcPr>
-                </a:tc>
-                <a:tc>
-                  <a:txBody>
-                    <a:bodyPr/>
-                    <a:lstStyle/>
-                    <a:p>
-                      <a:pPr marL="7620" indent="0" algn="ctr" fontAlgn="t"/>
-                      <a:endParaRPr lang="en-US" altLang="zh-CN" sz="1400" b="0" i="0">
-                        <a:solidFill>
-                          <a:srgbClr val="000000"/>
-                        </a:solidFill>
-                        <a:latin typeface="微软雅黑" panose="020B0503020204020204" charset="-122"/>
-                        <a:ea typeface="微软雅黑" panose="020B0503020204020204" charset="-122"/>
-                      </a:endParaRPr>
-                    </a:p>
-                  </a:txBody>
-                  <a:tcPr marL="7937" marR="7937" marT="7937" anchor="ctr" anchorCtr="0">
-                    <a:solidFill>
-                      <a:srgbClr val="E6F0F2"/>
-                    </a:solidFill>
-                  </a:tcPr>
-                </a:tc>
-                <a:tc>
-                  <a:txBody>
-                    <a:bodyPr/>
-                    <a:lstStyle/>
-                    <a:p>
-                      <a:pPr marL="7620" indent="0" algn="ctr" fontAlgn="t"/>
-                      <a:endParaRPr lang="en-US" altLang="zh-CN" sz="1400" b="0" i="0">
-                        <a:solidFill>
-                          <a:srgbClr val="000000"/>
-                        </a:solidFill>
-                        <a:latin typeface="微软雅黑" panose="020B0503020204020204" charset="-122"/>
-                        <a:ea typeface="微软雅黑" panose="020B0503020204020204" charset="-122"/>
-                      </a:endParaRPr>
-                    </a:p>
-                  </a:txBody>
-                  <a:tcPr marL="7937" marR="7937" marT="7937" anchor="ctr" anchorCtr="0">
-                    <a:solidFill>
-                      <a:srgbClr val="E6F0F2"/>
-                    </a:solidFill>
-                  </a:tcPr>
-                </a:tc>
-                <a:tc>
-                  <a:txBody>
-                    <a:bodyPr/>
-                    <a:lstStyle/>
-                    <a:p>
-                      <a:pPr marL="7620" indent="0" algn="ctr" fontAlgn="t"/>
-                      <a:endParaRPr lang="en-US" altLang="zh-CN" sz="1400" b="0" i="0">
-                        <a:solidFill>
-                          <a:srgbClr val="000000"/>
-                        </a:solidFill>
-                        <a:latin typeface="微软雅黑" panose="020B0503020204020204" charset="-122"/>
-                        <a:ea typeface="微软雅黑" panose="020B0503020204020204" charset="-122"/>
-                      </a:endParaRPr>
-                    </a:p>
-                  </a:txBody>
-                  <a:tcPr marL="7937" marR="7937" marT="7937" anchor="ctr" anchorCtr="0">
-                    <a:solidFill>
-                      <a:srgbClr val="E6F0F2"/>
-                    </a:solidFill>
-                  </a:tcPr>
-                </a:tc>
-                <a:tc>
-                  <a:txBody>
-                    <a:bodyPr/>
-                    <a:lstStyle/>
-                    <a:p>
-                      <a:pPr marL="7620" indent="0" algn="ctr" fontAlgn="t"/>
-                      <a:endParaRPr lang="en-US" altLang="zh-CN" sz="1400" b="0" i="0">
-                        <a:solidFill>
-                          <a:srgbClr val="000000"/>
-                        </a:solidFill>
-                        <a:latin typeface="微软雅黑" panose="020B0503020204020204" charset="-122"/>
-                        <a:ea typeface="微软雅黑" panose="020B0503020204020204" charset="-122"/>
-                      </a:endParaRPr>
-                    </a:p>
-                  </a:txBody>
-                  <a:tcPr marL="7937" marR="7937" marT="7937" anchor="ctr" anchorCtr="0">
-                    <a:solidFill>
-                      <a:srgbClr val="E6F0F2"/>
-                    </a:solidFill>
-                  </a:tcPr>
-                </a:tc>
-                <a:tc>
-                  <a:txBody>
-                    <a:bodyPr/>
-                    <a:lstStyle/>
-                    <a:p>
-                      <a:pPr marL="7620" indent="0" algn="ctr" fontAlgn="t"/>
-                      <a:endParaRPr lang="en-US" altLang="zh-CN" sz="1400" b="0" i="0">
-                        <a:solidFill>
-                          <a:srgbClr val="000000"/>
-                        </a:solidFill>
-                        <a:latin typeface="微软雅黑" panose="020B0503020204020204" charset="-122"/>
-                        <a:ea typeface="微软雅黑" panose="020B0503020204020204" charset="-122"/>
-                      </a:endParaRPr>
-                    </a:p>
-                  </a:txBody>
-                  <a:tcPr marL="7937" marR="7937" marT="7937" anchor="ctr" anchorCtr="0">
+                  <a:tcPr marL="0" marR="0" marT="0" marB="0" anchor="ctr" anchorCtr="0">
+                    <a:solidFill>
+                      <a:srgbClr val="E6F0F2"/>
+                    </a:solidFill>
+                  </a:tcPr>
+                </a:tc>
+                <a:tc>
+                  <a:txBody>
+                    <a:bodyPr/>
+                    <a:lstStyle/>
+                    <a:p>
+                      <a:pPr marL="7620" indent="0" algn="ctr" fontAlgn="ctr"/>
+                      <a:endParaRPr lang="en-US" altLang="zh-CN" sz="1400" b="0" i="0">
+                        <a:solidFill>
+                          <a:srgbClr val="000000"/>
+                        </a:solidFill>
+                        <a:latin typeface="微软雅黑" panose="020B0503020204020204" charset="-122"/>
+                        <a:ea typeface="微软雅黑" panose="020B0503020204020204" charset="-122"/>
+                      </a:endParaRPr>
+                    </a:p>
+                  </a:txBody>
+                  <a:tcPr marL="0" marR="0" marT="0" marB="0" anchor="ctr" anchorCtr="0">
+                    <a:solidFill>
+                      <a:srgbClr val="E6F0F2"/>
+                    </a:solidFill>
+                  </a:tcPr>
+                </a:tc>
+                <a:tc>
+                  <a:txBody>
+                    <a:bodyPr/>
+                    <a:lstStyle/>
+                    <a:p>
+                      <a:pPr marL="7620" indent="0" algn="ctr" fontAlgn="t"/>
+                      <a:endParaRPr lang="en-US" altLang="zh-CN" sz="1400" b="0" i="0">
+                        <a:solidFill>
+                          <a:srgbClr val="000000"/>
+                        </a:solidFill>
+                        <a:latin typeface="微软雅黑" panose="020B0503020204020204" charset="-122"/>
+                        <a:ea typeface="微软雅黑" panose="020B0503020204020204" charset="-122"/>
+                      </a:endParaRPr>
+                    </a:p>
+                  </a:txBody>
+                  <a:tcPr marL="0" marR="0" marT="0" marB="0" anchor="ctr" anchorCtr="0">
+                    <a:solidFill>
+                      <a:srgbClr val="E6F0F2"/>
+                    </a:solidFill>
+                  </a:tcPr>
+                </a:tc>
+                <a:tc>
+                  <a:txBody>
+                    <a:bodyPr/>
+                    <a:lstStyle/>
+                    <a:p>
+                      <a:pPr marL="7620" indent="0" algn="ctr" fontAlgn="t"/>
+                      <a:endParaRPr lang="en-US" altLang="zh-CN" sz="1400" b="0" i="0">
+                        <a:solidFill>
+                          <a:srgbClr val="000000"/>
+                        </a:solidFill>
+                        <a:latin typeface="微软雅黑" panose="020B0503020204020204" charset="-122"/>
+                        <a:ea typeface="微软雅黑" panose="020B0503020204020204" charset="-122"/>
+                      </a:endParaRPr>
+                    </a:p>
+                  </a:txBody>
+                  <a:tcPr marL="0" marR="0" marT="0" marB="0" anchor="ctr" anchorCtr="0">
+                    <a:solidFill>
+                      <a:srgbClr val="E6F0F2"/>
+                    </a:solidFill>
+                  </a:tcPr>
+                </a:tc>
+                <a:tc>
+                  <a:txBody>
+                    <a:bodyPr/>
+                    <a:lstStyle/>
+                    <a:p>
+                      <a:pPr marL="7620" indent="0" algn="ctr" fontAlgn="t"/>
+                      <a:endParaRPr lang="en-US" altLang="zh-CN" sz="1400" b="0" i="0">
+                        <a:solidFill>
+                          <a:srgbClr val="000000"/>
+                        </a:solidFill>
+                        <a:latin typeface="微软雅黑" panose="020B0503020204020204" charset="-122"/>
+                        <a:ea typeface="微软雅黑" panose="020B0503020204020204" charset="-122"/>
+                      </a:endParaRPr>
+                    </a:p>
+                  </a:txBody>
+                  <a:tcPr marL="0" marR="0" marT="0" marB="0" anchor="ctr" anchorCtr="0">
+                    <a:solidFill>
+                      <a:srgbClr val="E6F0F2"/>
+                    </a:solidFill>
+                  </a:tcPr>
+                </a:tc>
+                <a:tc>
+                  <a:txBody>
+                    <a:bodyPr/>
+                    <a:lstStyle/>
+                    <a:p>
+                      <a:pPr marL="7620" indent="0" algn="ctr" fontAlgn="t"/>
+                      <a:endParaRPr lang="en-US" altLang="zh-CN" sz="1400" b="0" i="0">
+                        <a:solidFill>
+                          <a:srgbClr val="000000"/>
+                        </a:solidFill>
+                        <a:latin typeface="微软雅黑" panose="020B0503020204020204" charset="-122"/>
+                        <a:ea typeface="微软雅黑" panose="020B0503020204020204" charset="-122"/>
+                      </a:endParaRPr>
+                    </a:p>
+                  </a:txBody>
+                  <a:tcPr marL="0" marR="0" marT="0" marB="0" anchor="ctr" anchorCtr="0">
+                    <a:solidFill>
+                      <a:srgbClr val="E6F0F2"/>
+                    </a:solidFill>
+                  </a:tcPr>
+                </a:tc>
+                <a:tc>
+                  <a:txBody>
+                    <a:bodyPr/>
+                    <a:lstStyle/>
+                    <a:p>
+                      <a:pPr marL="7620" indent="0" algn="ctr" fontAlgn="t"/>
+                      <a:endParaRPr lang="en-US" altLang="zh-CN" sz="1400" b="0" i="0">
+                        <a:solidFill>
+                          <a:srgbClr val="000000"/>
+                        </a:solidFill>
+                        <a:latin typeface="微软雅黑" panose="020B0503020204020204" charset="-122"/>
+                        <a:ea typeface="微软雅黑" panose="020B0503020204020204" charset="-122"/>
+                      </a:endParaRPr>
+                    </a:p>
+                  </a:txBody>
+                  <a:tcPr marL="0" marR="0" marT="0" marB="0" anchor="ctr" anchorCtr="0">
                     <a:solidFill>
                       <a:srgbClr val="E6F0F2"/>
                     </a:solidFill>
@@ -3481,112 +3481,112 @@
                       </a:endParaRPr>
                     </a:p>
                   </a:txBody>
-                  <a:tcPr marL="7937" marR="7937" marT="7937" anchor="ctr" anchorCtr="0">
-                    <a:solidFill>
-                      <a:srgbClr val="E6F0F2"/>
-                    </a:solidFill>
-                  </a:tcPr>
-                </a:tc>
-                <a:tc>
-                  <a:txBody>
-                    <a:bodyPr/>
-                    <a:lstStyle/>
-                    <a:p>
-                      <a:pPr marL="7620" indent="0" algn="ctr" fontAlgn="t"/>
-                      <a:endParaRPr lang="en-US" altLang="zh-CN" sz="1400" b="0" i="0">
-                        <a:solidFill>
-                          <a:srgbClr val="000000"/>
-                        </a:solidFill>
-                        <a:latin typeface="微软雅黑" panose="020B0503020204020204" charset="-122"/>
-                        <a:ea typeface="微软雅黑" panose="020B0503020204020204" charset="-122"/>
-                      </a:endParaRPr>
-                    </a:p>
-                  </a:txBody>
-                  <a:tcPr marL="7937" marR="7937" marT="7937" anchor="ctr" anchorCtr="0">
-                    <a:solidFill>
-                      <a:srgbClr val="E6F0F2"/>
-                    </a:solidFill>
-                  </a:tcPr>
-                </a:tc>
-                <a:tc>
-                  <a:txBody>
-                    <a:bodyPr/>
-                    <a:lstStyle/>
-                    <a:p>
-                      <a:pPr marL="7620" indent="0" algn="ctr" fontAlgn="t"/>
-                      <a:endParaRPr lang="en-US" altLang="zh-CN" sz="1400" b="0" i="0">
-                        <a:solidFill>
-                          <a:srgbClr val="000000"/>
-                        </a:solidFill>
-                        <a:latin typeface="微软雅黑" panose="020B0503020204020204" charset="-122"/>
-                        <a:ea typeface="微软雅黑" panose="020B0503020204020204" charset="-122"/>
-                      </a:endParaRPr>
-                    </a:p>
-                  </a:txBody>
-                  <a:tcPr marL="7937" marR="7937" marT="7937" anchor="ctr" anchorCtr="0">
-                    <a:solidFill>
-                      <a:srgbClr val="E6F0F2"/>
-                    </a:solidFill>
-                  </a:tcPr>
-                </a:tc>
-                <a:tc>
-                  <a:txBody>
-                    <a:bodyPr/>
-                    <a:lstStyle/>
-                    <a:p>
-                      <a:pPr marL="7620" indent="0" algn="ctr" fontAlgn="t"/>
-                      <a:endParaRPr lang="en-US" altLang="zh-CN" sz="1400" b="0" i="0">
-                        <a:solidFill>
-                          <a:srgbClr val="000000"/>
-                        </a:solidFill>
-                        <a:latin typeface="微软雅黑" panose="020B0503020204020204" charset="-122"/>
-                        <a:ea typeface="微软雅黑" panose="020B0503020204020204" charset="-122"/>
-                      </a:endParaRPr>
-                    </a:p>
-                  </a:txBody>
-                  <a:tcPr marL="7937" marR="7937" marT="7937" anchor="ctr" anchorCtr="0">
-                    <a:solidFill>
-                      <a:srgbClr val="E6F0F2"/>
-                    </a:solidFill>
-                  </a:tcPr>
-                </a:tc>
-                <a:tc>
-                  <a:txBody>
-                    <a:bodyPr/>
-                    <a:lstStyle/>
-                    <a:p>
-                      <a:pPr marL="7620" indent="0" algn="ctr" fontAlgn="t"/>
-                      <a:endParaRPr lang="en-US" altLang="zh-CN" sz="1400" b="0" i="0">
-                        <a:solidFill>
-                          <a:srgbClr val="000000"/>
-                        </a:solidFill>
-                        <a:latin typeface="微软雅黑" panose="020B0503020204020204" charset="-122"/>
-                        <a:ea typeface="微软雅黑" panose="020B0503020204020204" charset="-122"/>
-                      </a:endParaRPr>
-                    </a:p>
-                  </a:txBody>
-                  <a:tcPr marL="7937" marR="7937" marT="7937" anchor="ctr" anchorCtr="0">
-                    <a:solidFill>
-                      <a:srgbClr val="E6F0F2"/>
-                    </a:solidFill>
-                  </a:tcPr>
-                </a:tc>
-                <a:tc>
-                  <a:txBody>
-                    <a:bodyPr/>
-                    <a:lstStyle/>
-                    <a:p>
-                      <a:pPr marL="7620" indent="0" algn="ctr" fontAlgn="t"/>
-                      <a:endParaRPr lang="en-US" altLang="zh-CN" sz="1400" b="0" i="0">
-                        <a:solidFill>
-                          <a:srgbClr val="000000"/>
-                        </a:solidFill>
-                        <a:latin typeface="微软雅黑" panose="020B0503020204020204" charset="-122"/>
-                        <a:ea typeface="微软雅黑" panose="020B0503020204020204" charset="-122"/>
-                      </a:endParaRPr>
-                    </a:p>
-                  </a:txBody>
-                  <a:tcPr marL="7937" marR="7937" marT="7937" anchor="ctr" anchorCtr="0">
+                  <a:tcPr marL="0" marR="0" marT="0" marB="0" anchor="ctr" anchorCtr="0">
+                    <a:solidFill>
+                      <a:srgbClr val="E6F0F2"/>
+                    </a:solidFill>
+                  </a:tcPr>
+                </a:tc>
+                <a:tc>
+                  <a:txBody>
+                    <a:bodyPr/>
+                    <a:lstStyle/>
+                    <a:p>
+                      <a:pPr marL="7620" indent="0" algn="ctr" fontAlgn="t"/>
+                      <a:endParaRPr lang="en-US" altLang="zh-CN" sz="1400" b="0" i="0">
+                        <a:solidFill>
+                          <a:srgbClr val="000000"/>
+                        </a:solidFill>
+                        <a:latin typeface="微软雅黑" panose="020B0503020204020204" charset="-122"/>
+                        <a:ea typeface="微软雅黑" panose="020B0503020204020204" charset="-122"/>
+                      </a:endParaRPr>
+                    </a:p>
+                  </a:txBody>
+                  <a:tcPr marL="0" marR="0" marT="0" marB="0" anchor="ctr" anchorCtr="0">
+                    <a:solidFill>
+                      <a:srgbClr val="E6F0F2"/>
+                    </a:solidFill>
+                  </a:tcPr>
+                </a:tc>
+                <a:tc>
+                  <a:txBody>
+                    <a:bodyPr/>
+                    <a:lstStyle/>
+                    <a:p>
+                      <a:pPr marL="7620" indent="0" algn="ctr" fontAlgn="t"/>
+                      <a:endParaRPr lang="en-US" altLang="zh-CN" sz="1400" b="0" i="0">
+                        <a:solidFill>
+                          <a:srgbClr val="000000"/>
+                        </a:solidFill>
+                        <a:latin typeface="微软雅黑" panose="020B0503020204020204" charset="-122"/>
+                        <a:ea typeface="微软雅黑" panose="020B0503020204020204" charset="-122"/>
+                      </a:endParaRPr>
+                    </a:p>
+                  </a:txBody>
+                  <a:tcPr marL="0" marR="0" marT="0" marB="0" anchor="ctr" anchorCtr="0">
+                    <a:solidFill>
+                      <a:srgbClr val="E6F0F2"/>
+                    </a:solidFill>
+                  </a:tcPr>
+                </a:tc>
+                <a:tc>
+                  <a:txBody>
+                    <a:bodyPr/>
+                    <a:lstStyle/>
+                    <a:p>
+                      <a:pPr marL="7620" indent="0" algn="ctr" fontAlgn="t"/>
+                      <a:endParaRPr lang="en-US" altLang="zh-CN" sz="1400" b="0" i="0">
+                        <a:solidFill>
+                          <a:srgbClr val="000000"/>
+                        </a:solidFill>
+                        <a:latin typeface="微软雅黑" panose="020B0503020204020204" charset="-122"/>
+                        <a:ea typeface="微软雅黑" panose="020B0503020204020204" charset="-122"/>
+                      </a:endParaRPr>
+                    </a:p>
+                  </a:txBody>
+                  <a:tcPr marL="0" marR="0" marT="0" marB="0" anchor="ctr" anchorCtr="0">
+                    <a:solidFill>
+                      <a:srgbClr val="E6F0F2"/>
+                    </a:solidFill>
+                  </a:tcPr>
+                </a:tc>
+                <a:tc>
+                  <a:txBody>
+                    <a:bodyPr/>
+                    <a:lstStyle/>
+                    <a:p>
+                      <a:pPr marL="7620" indent="0" algn="ctr" fontAlgn="t"/>
+                      <a:endParaRPr lang="en-US" altLang="zh-CN" sz="1400" b="0" i="0">
+                        <a:solidFill>
+                          <a:srgbClr val="000000"/>
+                        </a:solidFill>
+                        <a:latin typeface="微软雅黑" panose="020B0503020204020204" charset="-122"/>
+                        <a:ea typeface="微软雅黑" panose="020B0503020204020204" charset="-122"/>
+                      </a:endParaRPr>
+                    </a:p>
+                  </a:txBody>
+                  <a:tcPr marL="0" marR="0" marT="0" marB="0" anchor="ctr" anchorCtr="0">
+                    <a:solidFill>
+                      <a:srgbClr val="E6F0F2"/>
+                    </a:solidFill>
+                  </a:tcPr>
+                </a:tc>
+                <a:tc>
+                  <a:txBody>
+                    <a:bodyPr/>
+                    <a:lstStyle/>
+                    <a:p>
+                      <a:pPr marL="7620" indent="0" algn="ctr" fontAlgn="t"/>
+                      <a:endParaRPr lang="en-US" altLang="zh-CN" sz="1400" b="0" i="0">
+                        <a:solidFill>
+                          <a:srgbClr val="000000"/>
+                        </a:solidFill>
+                        <a:latin typeface="微软雅黑" panose="020B0503020204020204" charset="-122"/>
+                        <a:ea typeface="微软雅黑" panose="020B0503020204020204" charset="-122"/>
+                      </a:endParaRPr>
+                    </a:p>
+                  </a:txBody>
+                  <a:tcPr marL="0" marR="0" marT="0" marB="0" anchor="ctr" anchorCtr="0">
                     <a:solidFill>
                       <a:srgbClr val="E6F0F2"/>
                     </a:solidFill>
@@ -3616,112 +3616,112 @@
                       </a:endParaRPr>
                     </a:p>
                   </a:txBody>
-                  <a:tcPr marL="7937" marR="7937" marT="7937" anchor="ctr" anchorCtr="0">
-                    <a:solidFill>
-                      <a:srgbClr val="E6F0F2"/>
-                    </a:solidFill>
-                  </a:tcPr>
-                </a:tc>
-                <a:tc>
-                  <a:txBody>
-                    <a:bodyPr/>
-                    <a:lstStyle/>
-                    <a:p>
-                      <a:pPr marL="7620" indent="0" algn="ctr" fontAlgn="t"/>
-                      <a:endParaRPr lang="en-US" altLang="zh-CN" sz="1400" b="0" i="0">
-                        <a:solidFill>
-                          <a:srgbClr val="000000"/>
-                        </a:solidFill>
-                        <a:latin typeface="微软雅黑" panose="020B0503020204020204" charset="-122"/>
-                        <a:ea typeface="微软雅黑" panose="020B0503020204020204" charset="-122"/>
-                      </a:endParaRPr>
-                    </a:p>
-                  </a:txBody>
-                  <a:tcPr marL="7937" marR="7937" marT="7937" anchor="ctr" anchorCtr="0">
-                    <a:solidFill>
-                      <a:srgbClr val="E6F0F2"/>
-                    </a:solidFill>
-                  </a:tcPr>
-                </a:tc>
-                <a:tc>
-                  <a:txBody>
-                    <a:bodyPr/>
-                    <a:lstStyle/>
-                    <a:p>
-                      <a:pPr marL="7620" indent="0" algn="ctr" fontAlgn="t"/>
-                      <a:endParaRPr lang="en-US" altLang="zh-CN" sz="1400" b="0" i="0">
-                        <a:solidFill>
-                          <a:srgbClr val="000000"/>
-                        </a:solidFill>
-                        <a:latin typeface="微软雅黑" panose="020B0503020204020204" charset="-122"/>
-                        <a:ea typeface="微软雅黑" panose="020B0503020204020204" charset="-122"/>
-                      </a:endParaRPr>
-                    </a:p>
-                  </a:txBody>
-                  <a:tcPr marL="7937" marR="7937" marT="7937" anchor="ctr" anchorCtr="0">
-                    <a:solidFill>
-                      <a:srgbClr val="E6F0F2"/>
-                    </a:solidFill>
-                  </a:tcPr>
-                </a:tc>
-                <a:tc>
-                  <a:txBody>
-                    <a:bodyPr/>
-                    <a:lstStyle/>
-                    <a:p>
-                      <a:pPr marL="7620" indent="0" algn="ctr" fontAlgn="t"/>
-                      <a:endParaRPr lang="en-US" altLang="zh-CN" sz="1400" b="0" i="0">
-                        <a:solidFill>
-                          <a:srgbClr val="000000"/>
-                        </a:solidFill>
-                        <a:latin typeface="微软雅黑" panose="020B0503020204020204" charset="-122"/>
-                        <a:ea typeface="微软雅黑" panose="020B0503020204020204" charset="-122"/>
-                      </a:endParaRPr>
-                    </a:p>
-                  </a:txBody>
-                  <a:tcPr marL="7937" marR="7937" marT="7937" anchor="ctr" anchorCtr="0">
-                    <a:solidFill>
-                      <a:srgbClr val="E6F0F2"/>
-                    </a:solidFill>
-                  </a:tcPr>
-                </a:tc>
-                <a:tc>
-                  <a:txBody>
-                    <a:bodyPr/>
-                    <a:lstStyle/>
-                    <a:p>
-                      <a:pPr marL="7620" indent="0" algn="ctr" fontAlgn="t"/>
-                      <a:endParaRPr lang="en-US" altLang="zh-CN" sz="1400" b="0" i="0">
-                        <a:solidFill>
-                          <a:srgbClr val="000000"/>
-                        </a:solidFill>
-                        <a:latin typeface="微软雅黑" panose="020B0503020204020204" charset="-122"/>
-                        <a:ea typeface="微软雅黑" panose="020B0503020204020204" charset="-122"/>
-                      </a:endParaRPr>
-                    </a:p>
-                  </a:txBody>
-                  <a:tcPr marL="7937" marR="7937" marT="7937" anchor="ctr" anchorCtr="0">
-                    <a:solidFill>
-                      <a:srgbClr val="E6F0F2"/>
-                    </a:solidFill>
-                  </a:tcPr>
-                </a:tc>
-                <a:tc>
-                  <a:txBody>
-                    <a:bodyPr/>
-                    <a:lstStyle/>
-                    <a:p>
-                      <a:pPr marL="7620" indent="0" algn="ctr" fontAlgn="t"/>
-                      <a:endParaRPr lang="en-US" altLang="zh-CN" sz="1400" b="0" i="0">
-                        <a:solidFill>
-                          <a:srgbClr val="000000"/>
-                        </a:solidFill>
-                        <a:latin typeface="微软雅黑" panose="020B0503020204020204" charset="-122"/>
-                        <a:ea typeface="微软雅黑" panose="020B0503020204020204" charset="-122"/>
-                      </a:endParaRPr>
-                    </a:p>
-                  </a:txBody>
-                  <a:tcPr marL="7937" marR="7937" marT="7937" anchor="ctr" anchorCtr="0">
+                  <a:tcPr marL="0" marR="0" marT="0" marB="0" anchor="ctr" anchorCtr="0">
+                    <a:solidFill>
+                      <a:srgbClr val="E6F0F2"/>
+                    </a:solidFill>
+                  </a:tcPr>
+                </a:tc>
+                <a:tc>
+                  <a:txBody>
+                    <a:bodyPr/>
+                    <a:lstStyle/>
+                    <a:p>
+                      <a:pPr marL="7620" indent="0" algn="ctr" fontAlgn="t"/>
+                      <a:endParaRPr lang="en-US" altLang="zh-CN" sz="1400" b="0" i="0">
+                        <a:solidFill>
+                          <a:srgbClr val="000000"/>
+                        </a:solidFill>
+                        <a:latin typeface="微软雅黑" panose="020B0503020204020204" charset="-122"/>
+                        <a:ea typeface="微软雅黑" panose="020B0503020204020204" charset="-122"/>
+                      </a:endParaRPr>
+                    </a:p>
+                  </a:txBody>
+                  <a:tcPr marL="0" marR="0" marT="0" marB="0" anchor="ctr" anchorCtr="0">
+                    <a:solidFill>
+                      <a:srgbClr val="E6F0F2"/>
+                    </a:solidFill>
+                  </a:tcPr>
+                </a:tc>
+                <a:tc>
+                  <a:txBody>
+                    <a:bodyPr/>
+                    <a:lstStyle/>
+                    <a:p>
+                      <a:pPr marL="7620" indent="0" algn="ctr" fontAlgn="t"/>
+                      <a:endParaRPr lang="en-US" altLang="zh-CN" sz="1400" b="0" i="0">
+                        <a:solidFill>
+                          <a:srgbClr val="000000"/>
+                        </a:solidFill>
+                        <a:latin typeface="微软雅黑" panose="020B0503020204020204" charset="-122"/>
+                        <a:ea typeface="微软雅黑" panose="020B0503020204020204" charset="-122"/>
+                      </a:endParaRPr>
+                    </a:p>
+                  </a:txBody>
+                  <a:tcPr marL="0" marR="0" marT="0" marB="0" anchor="ctr" anchorCtr="0">
+                    <a:solidFill>
+                      <a:srgbClr val="E6F0F2"/>
+                    </a:solidFill>
+                  </a:tcPr>
+                </a:tc>
+                <a:tc>
+                  <a:txBody>
+                    <a:bodyPr/>
+                    <a:lstStyle/>
+                    <a:p>
+                      <a:pPr marL="7620" indent="0" algn="ctr" fontAlgn="t"/>
+                      <a:endParaRPr lang="en-US" altLang="zh-CN" sz="1400" b="0" i="0">
+                        <a:solidFill>
+                          <a:srgbClr val="000000"/>
+                        </a:solidFill>
+                        <a:latin typeface="微软雅黑" panose="020B0503020204020204" charset="-122"/>
+                        <a:ea typeface="微软雅黑" panose="020B0503020204020204" charset="-122"/>
+                      </a:endParaRPr>
+                    </a:p>
+                  </a:txBody>
+                  <a:tcPr marL="0" marR="0" marT="0" marB="0" anchor="ctr" anchorCtr="0">
+                    <a:solidFill>
+                      <a:srgbClr val="E6F0F2"/>
+                    </a:solidFill>
+                  </a:tcPr>
+                </a:tc>
+                <a:tc>
+                  <a:txBody>
+                    <a:bodyPr/>
+                    <a:lstStyle/>
+                    <a:p>
+                      <a:pPr marL="7620" indent="0" algn="ctr" fontAlgn="t"/>
+                      <a:endParaRPr lang="en-US" altLang="zh-CN" sz="1400" b="0" i="0">
+                        <a:solidFill>
+                          <a:srgbClr val="000000"/>
+                        </a:solidFill>
+                        <a:latin typeface="微软雅黑" panose="020B0503020204020204" charset="-122"/>
+                        <a:ea typeface="微软雅黑" panose="020B0503020204020204" charset="-122"/>
+                      </a:endParaRPr>
+                    </a:p>
+                  </a:txBody>
+                  <a:tcPr marL="0" marR="0" marT="0" marB="0" anchor="ctr" anchorCtr="0">
+                    <a:solidFill>
+                      <a:srgbClr val="E6F0F2"/>
+                    </a:solidFill>
+                  </a:tcPr>
+                </a:tc>
+                <a:tc>
+                  <a:txBody>
+                    <a:bodyPr/>
+                    <a:lstStyle/>
+                    <a:p>
+                      <a:pPr marL="7620" indent="0" algn="ctr" fontAlgn="t"/>
+                      <a:endParaRPr lang="en-US" altLang="zh-CN" sz="1400" b="0" i="0">
+                        <a:solidFill>
+                          <a:srgbClr val="000000"/>
+                        </a:solidFill>
+                        <a:latin typeface="微软雅黑" panose="020B0503020204020204" charset="-122"/>
+                        <a:ea typeface="微软雅黑" panose="020B0503020204020204" charset="-122"/>
+                      </a:endParaRPr>
+                    </a:p>
+                  </a:txBody>
+                  <a:tcPr marL="0" marR="0" marT="0" marB="0" anchor="ctr" anchorCtr="0">
                     <a:solidFill>
                       <a:srgbClr val="E6F0F2"/>
                     </a:solidFill>
@@ -3781,7 +3781,7 @@
                       </a:endParaRPr>
                     </a:p>
                   </a:txBody>
-                  <a:tcPr marL="7937" marR="7937" marT="7937" anchor="ctr" anchorCtr="0">
+                  <a:tcPr marL="0" marR="0" marT="0" marB="0" anchor="ctr" anchorCtr="0">
                     <a:solidFill>
                       <a:srgbClr val="E6F0F2"/>
                     </a:solidFill>
@@ -3810,7 +3810,7 @@
                       </a:endParaRPr>
                     </a:p>
                   </a:txBody>
-                  <a:tcPr marL="7937" marR="7937" marT="7937" anchor="ctr" anchorCtr="0">
+                  <a:tcPr marL="0" marR="0" marT="0" marB="0" anchor="ctr" anchorCtr="0">
                     <a:solidFill>
                       <a:srgbClr val="E6F0F2"/>
                     </a:solidFill>
@@ -3832,7 +3832,7 @@
                       </a:endParaRPr>
                     </a:p>
                   </a:txBody>
-                  <a:tcPr marL="7937" marR="7937" marT="7937" anchor="ctr" anchorCtr="0">
+                  <a:tcPr marL="0" marR="0" marT="0" marB="0" anchor="ctr" anchorCtr="0">
                     <a:solidFill>
                       <a:srgbClr val="E6F0F2"/>
                     </a:solidFill>
@@ -3854,7 +3854,7 @@
                       </a:endParaRPr>
                     </a:p>
                   </a:txBody>
-                  <a:tcPr marL="7937" marR="7937" marT="7937" anchor="ctr" anchorCtr="0">
+                  <a:tcPr marL="0" marR="0" marT="0" marB="0" anchor="ctr" anchorCtr="0">
                     <a:solidFill>
                       <a:srgbClr val="E6F0F2"/>
                     </a:solidFill>
@@ -3876,7 +3876,7 @@
                       </a:endParaRPr>
                     </a:p>
                   </a:txBody>
-                  <a:tcPr marL="7937" marR="7937" marT="7937" anchor="ctr" anchorCtr="0">
+                  <a:tcPr marL="0" marR="0" marT="0" marB="0" anchor="ctr" anchorCtr="0">
                     <a:solidFill>
                       <a:srgbClr val="E6F0F2"/>
                     </a:solidFill>
